--- a/Beyond string-based logging.pptx
+++ b/Beyond string-based logging.pptx
@@ -10,8 +10,12 @@
     <p:sldId id="258" r:id="rId4"/>
     <p:sldId id="261" r:id="rId5"/>
     <p:sldId id="262" r:id="rId6"/>
-    <p:sldId id="263" r:id="rId7"/>
-    <p:sldId id="264" r:id="rId8"/>
+    <p:sldId id="265" r:id="rId7"/>
+    <p:sldId id="266" r:id="rId8"/>
+    <p:sldId id="267" r:id="rId9"/>
+    <p:sldId id="263" r:id="rId10"/>
+    <p:sldId id="268" r:id="rId11"/>
+    <p:sldId id="264" r:id="rId12"/>
   </p:sldIdLst>
   <p:sldSz cx="12192000" cy="6858000"/>
   <p:notesSz cx="6858000" cy="9144000"/>
@@ -269,7 +273,7 @@
           <a:p>
             <a:fld id="{E6A6A4C7-0DC7-42E7-9D13-197AD7FCF1D5}" type="datetimeFigureOut">
               <a:rPr lang="en-US" smtClean="0"/>
-              <a:t>2/1/2018</a:t>
+              <a:t>2/3/2018</a:t>
             </a:fld>
             <a:endParaRPr lang="en-US"/>
           </a:p>
@@ -467,7 +471,7 @@
           <a:p>
             <a:fld id="{E6A6A4C7-0DC7-42E7-9D13-197AD7FCF1D5}" type="datetimeFigureOut">
               <a:rPr lang="en-US" smtClean="0"/>
-              <a:t>2/1/2018</a:t>
+              <a:t>2/3/2018</a:t>
             </a:fld>
             <a:endParaRPr lang="en-US"/>
           </a:p>
@@ -675,7 +679,7 @@
           <a:p>
             <a:fld id="{E6A6A4C7-0DC7-42E7-9D13-197AD7FCF1D5}" type="datetimeFigureOut">
               <a:rPr lang="en-US" smtClean="0"/>
-              <a:t>2/1/2018</a:t>
+              <a:t>2/3/2018</a:t>
             </a:fld>
             <a:endParaRPr lang="en-US"/>
           </a:p>
@@ -873,7 +877,7 @@
           <a:p>
             <a:fld id="{E6A6A4C7-0DC7-42E7-9D13-197AD7FCF1D5}" type="datetimeFigureOut">
               <a:rPr lang="en-US" smtClean="0"/>
-              <a:t>2/1/2018</a:t>
+              <a:t>2/3/2018</a:t>
             </a:fld>
             <a:endParaRPr lang="en-US"/>
           </a:p>
@@ -1148,7 +1152,7 @@
           <a:p>
             <a:fld id="{E6A6A4C7-0DC7-42E7-9D13-197AD7FCF1D5}" type="datetimeFigureOut">
               <a:rPr lang="en-US" smtClean="0"/>
-              <a:t>2/1/2018</a:t>
+              <a:t>2/3/2018</a:t>
             </a:fld>
             <a:endParaRPr lang="en-US"/>
           </a:p>
@@ -1413,7 +1417,7 @@
           <a:p>
             <a:fld id="{E6A6A4C7-0DC7-42E7-9D13-197AD7FCF1D5}" type="datetimeFigureOut">
               <a:rPr lang="en-US" smtClean="0"/>
-              <a:t>2/1/2018</a:t>
+              <a:t>2/3/2018</a:t>
             </a:fld>
             <a:endParaRPr lang="en-US"/>
           </a:p>
@@ -1825,7 +1829,7 @@
           <a:p>
             <a:fld id="{E6A6A4C7-0DC7-42E7-9D13-197AD7FCF1D5}" type="datetimeFigureOut">
               <a:rPr lang="en-US" smtClean="0"/>
-              <a:t>2/1/2018</a:t>
+              <a:t>2/3/2018</a:t>
             </a:fld>
             <a:endParaRPr lang="en-US"/>
           </a:p>
@@ -1966,7 +1970,7 @@
           <a:p>
             <a:fld id="{E6A6A4C7-0DC7-42E7-9D13-197AD7FCF1D5}" type="datetimeFigureOut">
               <a:rPr lang="en-US" smtClean="0"/>
-              <a:t>2/1/2018</a:t>
+              <a:t>2/3/2018</a:t>
             </a:fld>
             <a:endParaRPr lang="en-US"/>
           </a:p>
@@ -2079,7 +2083,7 @@
           <a:p>
             <a:fld id="{E6A6A4C7-0DC7-42E7-9D13-197AD7FCF1D5}" type="datetimeFigureOut">
               <a:rPr lang="en-US" smtClean="0"/>
-              <a:t>2/1/2018</a:t>
+              <a:t>2/3/2018</a:t>
             </a:fld>
             <a:endParaRPr lang="en-US"/>
           </a:p>
@@ -2390,7 +2394,7 @@
           <a:p>
             <a:fld id="{E6A6A4C7-0DC7-42E7-9D13-197AD7FCF1D5}" type="datetimeFigureOut">
               <a:rPr lang="en-US" smtClean="0"/>
-              <a:t>2/1/2018</a:t>
+              <a:t>2/3/2018</a:t>
             </a:fld>
             <a:endParaRPr lang="en-US"/>
           </a:p>
@@ -2678,7 +2682,7 @@
           <a:p>
             <a:fld id="{E6A6A4C7-0DC7-42E7-9D13-197AD7FCF1D5}" type="datetimeFigureOut">
               <a:rPr lang="en-US" smtClean="0"/>
-              <a:t>2/1/2018</a:t>
+              <a:t>2/3/2018</a:t>
             </a:fld>
             <a:endParaRPr lang="en-US"/>
           </a:p>
@@ -2919,7 +2923,7 @@
           <a:p>
             <a:fld id="{E6A6A4C7-0DC7-42E7-9D13-197AD7FCF1D5}" type="datetimeFigureOut">
               <a:rPr lang="en-US" smtClean="0"/>
-              <a:t>2/1/2018</a:t>
+              <a:t>2/3/2018</a:t>
             </a:fld>
             <a:endParaRPr lang="en-US"/>
           </a:p>
@@ -3380,7 +3384,12 @@
             <p:ph type="subTitle" idx="1"/>
           </p:nvPr>
         </p:nvSpPr>
-        <p:spPr/>
+        <p:spPr>
+          <a:xfrm>
+            <a:off x="1524000" y="3814692"/>
+            <a:ext cx="9144000" cy="1655762"/>
+          </a:xfrm>
+        </p:spPr>
         <p:txBody>
           <a:bodyPr/>
           <a:lstStyle/>
@@ -3443,10 +3452,690 @@
           </a:p>
         </p:txBody>
       </p:sp>
+      <p:pic>
+        <p:nvPicPr>
+          <p:cNvPr id="6" name="Picture 5">
+            <a:extLst>
+              <a:ext uri="{FF2B5EF4-FFF2-40B4-BE49-F238E27FC236}">
+                <a16:creationId xmlns:a16="http://schemas.microsoft.com/office/drawing/2014/main" id="{5BB44DD2-08E5-4974-B275-35F7834420A1}"/>
+              </a:ext>
+            </a:extLst>
+          </p:cNvPr>
+          <p:cNvPicPr>
+            <a:picLocks noChangeAspect="1"/>
+          </p:cNvPicPr>
+          <p:nvPr/>
+        </p:nvPicPr>
+        <p:blipFill>
+          <a:blip r:embed="rId2">
+            <a:extLst>
+              <a:ext uri="{28A0092B-C50C-407E-A947-70E740481C1C}">
+                <a14:useLocalDpi xmlns:a14="http://schemas.microsoft.com/office/drawing/2010/main" val="0"/>
+              </a:ext>
+            </a:extLst>
+          </a:blip>
+          <a:stretch>
+            <a:fillRect/>
+          </a:stretch>
+        </p:blipFill>
+        <p:spPr>
+          <a:xfrm>
+            <a:off x="8145725" y="3514655"/>
+            <a:ext cx="1021390" cy="1021390"/>
+          </a:xfrm>
+          <a:prstGeom prst="rect">
+            <a:avLst/>
+          </a:prstGeom>
+        </p:spPr>
+      </p:pic>
     </p:spTree>
     <p:extLst>
       <p:ext uri="{BB962C8B-B14F-4D97-AF65-F5344CB8AC3E}">
         <p14:creationId xmlns:p14="http://schemas.microsoft.com/office/powerpoint/2010/main" val="1151208355"/>
+      </p:ext>
+    </p:extLst>
+  </p:cSld>
+  <p:clrMapOvr>
+    <a:masterClrMapping/>
+  </p:clrMapOvr>
+</p:sld>
+</file>
+
+<file path=ppt/slides/slide10.xml><?xml version="1.0" encoding="utf-8"?>
+<p:sld xmlns:a="http://schemas.openxmlformats.org/drawingml/2006/main" xmlns:r="http://schemas.openxmlformats.org/officeDocument/2006/relationships" xmlns:p="http://schemas.openxmlformats.org/presentationml/2006/main">
+  <p:cSld>
+    <p:spTree>
+      <p:nvGrpSpPr>
+        <p:cNvPr id="1" name=""/>
+        <p:cNvGrpSpPr/>
+        <p:nvPr/>
+      </p:nvGrpSpPr>
+      <p:grpSpPr>
+        <a:xfrm>
+          <a:off x="0" y="0"/>
+          <a:ext cx="0" cy="0"/>
+          <a:chOff x="0" y="0"/>
+          <a:chExt cx="0" cy="0"/>
+        </a:xfrm>
+      </p:grpSpPr>
+      <p:sp>
+        <p:nvSpPr>
+          <p:cNvPr id="2" name="Title 1">
+            <a:extLst>
+              <a:ext uri="{FF2B5EF4-FFF2-40B4-BE49-F238E27FC236}">
+                <a16:creationId xmlns:a16="http://schemas.microsoft.com/office/drawing/2014/main" id="{72A3EFE2-6AAA-46BB-8428-8E8F8FF1182F}"/>
+              </a:ext>
+            </a:extLst>
+          </p:cNvPr>
+          <p:cNvSpPr>
+            <a:spLocks noGrp="1"/>
+          </p:cNvSpPr>
+          <p:nvPr>
+            <p:ph type="title"/>
+          </p:nvPr>
+        </p:nvSpPr>
+        <p:spPr/>
+        <p:txBody>
+          <a:bodyPr/>
+          <a:lstStyle/>
+          <a:p>
+            <a:endParaRPr lang="en-US" dirty="0"/>
+          </a:p>
+        </p:txBody>
+      </p:sp>
+      <p:sp>
+        <p:nvSpPr>
+          <p:cNvPr id="3" name="Content Placeholder 2">
+            <a:extLst>
+              <a:ext uri="{FF2B5EF4-FFF2-40B4-BE49-F238E27FC236}">
+                <a16:creationId xmlns:a16="http://schemas.microsoft.com/office/drawing/2014/main" id="{A23AC890-74C8-400C-871F-6596B20EEFBA}"/>
+              </a:ext>
+            </a:extLst>
+          </p:cNvPr>
+          <p:cNvSpPr>
+            <a:spLocks noGrp="1"/>
+          </p:cNvSpPr>
+          <p:nvPr>
+            <p:ph idx="1"/>
+          </p:nvPr>
+        </p:nvSpPr>
+        <p:spPr/>
+        <p:txBody>
+          <a:bodyPr/>
+          <a:lstStyle/>
+          <a:p>
+            <a:endParaRPr lang="en-US"/>
+          </a:p>
+        </p:txBody>
+      </p:sp>
+      <p:pic>
+        <p:nvPicPr>
+          <p:cNvPr id="4" name="Picture 3">
+            <a:extLst>
+              <a:ext uri="{FF2B5EF4-FFF2-40B4-BE49-F238E27FC236}">
+                <a16:creationId xmlns:a16="http://schemas.microsoft.com/office/drawing/2014/main" id="{ABF8B55F-A570-4873-97D9-6BE7901E4DF4}"/>
+              </a:ext>
+            </a:extLst>
+          </p:cNvPr>
+          <p:cNvPicPr>
+            <a:picLocks noChangeAspect="1"/>
+          </p:cNvPicPr>
+          <p:nvPr/>
+        </p:nvPicPr>
+        <p:blipFill>
+          <a:blip r:embed="rId2"/>
+          <a:stretch>
+            <a:fillRect/>
+          </a:stretch>
+        </p:blipFill>
+        <p:spPr>
+          <a:xfrm>
+            <a:off x="238125" y="0"/>
+            <a:ext cx="11715750" cy="6858000"/>
+          </a:xfrm>
+          <a:prstGeom prst="rect">
+            <a:avLst/>
+          </a:prstGeom>
+        </p:spPr>
+      </p:pic>
+    </p:spTree>
+    <p:extLst>
+      <p:ext uri="{BB962C8B-B14F-4D97-AF65-F5344CB8AC3E}">
+        <p14:creationId xmlns:p14="http://schemas.microsoft.com/office/powerpoint/2010/main" val="1642546244"/>
+      </p:ext>
+    </p:extLst>
+  </p:cSld>
+  <p:clrMapOvr>
+    <a:masterClrMapping/>
+  </p:clrMapOvr>
+</p:sld>
+</file>
+
+<file path=ppt/slides/slide11.xml><?xml version="1.0" encoding="utf-8"?>
+<p:sld xmlns:a="http://schemas.openxmlformats.org/drawingml/2006/main" xmlns:r="http://schemas.openxmlformats.org/officeDocument/2006/relationships" xmlns:p="http://schemas.openxmlformats.org/presentationml/2006/main">
+  <p:cSld>
+    <p:spTree>
+      <p:nvGrpSpPr>
+        <p:cNvPr id="1" name=""/>
+        <p:cNvGrpSpPr/>
+        <p:nvPr/>
+      </p:nvGrpSpPr>
+      <p:grpSpPr>
+        <a:xfrm>
+          <a:off x="0" y="0"/>
+          <a:ext cx="0" cy="0"/>
+          <a:chOff x="0" y="0"/>
+          <a:chExt cx="0" cy="0"/>
+        </a:xfrm>
+      </p:grpSpPr>
+      <p:pic>
+        <p:nvPicPr>
+          <p:cNvPr id="9" name="Picture 8">
+            <a:extLst>
+              <a:ext uri="{FF2B5EF4-FFF2-40B4-BE49-F238E27FC236}">
+                <a16:creationId xmlns:a16="http://schemas.microsoft.com/office/drawing/2014/main" id="{E96E6F1E-E547-46BF-82C3-6A0FEDC42F91}"/>
+              </a:ext>
+            </a:extLst>
+          </p:cNvPr>
+          <p:cNvPicPr>
+            <a:picLocks noChangeAspect="1"/>
+          </p:cNvPicPr>
+          <p:nvPr/>
+        </p:nvPicPr>
+        <p:blipFill>
+          <a:blip r:embed="rId2"/>
+          <a:stretch>
+            <a:fillRect/>
+          </a:stretch>
+        </p:blipFill>
+        <p:spPr>
+          <a:xfrm>
+            <a:off x="354285" y="280617"/>
+            <a:ext cx="8757603" cy="6103361"/>
+          </a:xfrm>
+          <a:prstGeom prst="rect">
+            <a:avLst/>
+          </a:prstGeom>
+        </p:spPr>
+      </p:pic>
+      <p:sp>
+        <p:nvSpPr>
+          <p:cNvPr id="10" name="TextBox 9">
+            <a:extLst>
+              <a:ext uri="{FF2B5EF4-FFF2-40B4-BE49-F238E27FC236}">
+                <a16:creationId xmlns:a16="http://schemas.microsoft.com/office/drawing/2014/main" id="{E2D1A280-FF48-433D-9699-FE7844530765}"/>
+              </a:ext>
+            </a:extLst>
+          </p:cNvPr>
+          <p:cNvSpPr txBox="1"/>
+          <p:nvPr/>
+        </p:nvSpPr>
+        <p:spPr>
+          <a:xfrm>
+            <a:off x="9163269" y="995434"/>
+            <a:ext cx="2644827" cy="3231654"/>
+          </a:xfrm>
+          <a:prstGeom prst="rect">
+            <a:avLst/>
+          </a:prstGeom>
+          <a:noFill/>
+        </p:spPr>
+        <p:txBody>
+          <a:bodyPr wrap="none" rtlCol="0">
+            <a:spAutoFit/>
+          </a:bodyPr>
+          <a:lstStyle/>
+          <a:p>
+            <a:pPr>
+              <a:lnSpc>
+                <a:spcPct val="150000"/>
+              </a:lnSpc>
+            </a:pPr>
+            <a:r>
+              <a:rPr lang="en-AU" sz="2400" dirty="0">
+                <a:solidFill>
+                  <a:schemeClr val="tx1">
+                    <a:lumMod val="95000"/>
+                    <a:lumOff val="5000"/>
+                  </a:schemeClr>
+                </a:solidFill>
+                <a:latin typeface="Fira Sans Medium" panose="020B0603050000020004" pitchFamily="34" charset="0"/>
+                <a:ea typeface="Fira Sans Medium" panose="020B0603050000020004" pitchFamily="34" charset="0"/>
+              </a:rPr>
+              <a:t>About </a:t>
+            </a:r>
+            <a:r>
+              <a:rPr lang="en-AU" sz="2400" dirty="0" err="1">
+                <a:solidFill>
+                  <a:schemeClr val="tx1">
+                    <a:lumMod val="95000"/>
+                    <a:lumOff val="5000"/>
+                  </a:schemeClr>
+                </a:solidFill>
+                <a:latin typeface="Fira Sans Medium" panose="020B0603050000020004" pitchFamily="34" charset="0"/>
+                <a:ea typeface="Fira Sans Medium" panose="020B0603050000020004" pitchFamily="34" charset="0"/>
+              </a:rPr>
+              <a:t>Serilog</a:t>
+            </a:r>
+            <a:endParaRPr lang="en-AU" sz="2400" dirty="0">
+              <a:solidFill>
+                <a:schemeClr val="tx1">
+                  <a:lumMod val="95000"/>
+                  <a:lumOff val="5000"/>
+                </a:schemeClr>
+              </a:solidFill>
+              <a:latin typeface="Fira Sans Medium" panose="020B0603050000020004" pitchFamily="34" charset="0"/>
+              <a:ea typeface="Fira Sans Medium" panose="020B0603050000020004" pitchFamily="34" charset="0"/>
+            </a:endParaRPr>
+          </a:p>
+          <a:p>
+            <a:pPr>
+              <a:lnSpc>
+                <a:spcPct val="150000"/>
+              </a:lnSpc>
+            </a:pPr>
+            <a:r>
+              <a:rPr lang="en-AU" sz="1600" dirty="0">
+                <a:solidFill>
+                  <a:schemeClr val="tx1">
+                    <a:lumMod val="95000"/>
+                    <a:lumOff val="5000"/>
+                  </a:schemeClr>
+                </a:solidFill>
+                <a:latin typeface="Segoe UI" panose="020B0502040204020203" pitchFamily="34" charset="0"/>
+                <a:ea typeface="Fira Sans Medium" panose="020B0603050000020004" pitchFamily="34" charset="0"/>
+                <a:cs typeface="Segoe UI" panose="020B0502040204020203" pitchFamily="34" charset="0"/>
+              </a:rPr>
+              <a:t>OSS/Apache 2.0 License</a:t>
+            </a:r>
+          </a:p>
+          <a:p>
+            <a:pPr>
+              <a:lnSpc>
+                <a:spcPct val="150000"/>
+              </a:lnSpc>
+            </a:pPr>
+            <a:r>
+              <a:rPr lang="en-AU" sz="1600" dirty="0">
+                <a:solidFill>
+                  <a:schemeClr val="tx1">
+                    <a:lumMod val="95000"/>
+                    <a:lumOff val="5000"/>
+                  </a:schemeClr>
+                </a:solidFill>
+                <a:latin typeface="Segoe UI" panose="020B0502040204020203" pitchFamily="34" charset="0"/>
+                <a:ea typeface="Fira Sans Medium" panose="020B0603050000020004" pitchFamily="34" charset="0"/>
+                <a:cs typeface="Segoe UI" panose="020B0502040204020203" pitchFamily="34" charset="0"/>
+              </a:rPr>
+              <a:t>.NET Framework &amp; Core</a:t>
+            </a:r>
+          </a:p>
+          <a:p>
+            <a:pPr>
+              <a:lnSpc>
+                <a:spcPct val="150000"/>
+              </a:lnSpc>
+            </a:pPr>
+            <a:r>
+              <a:rPr lang="en-AU" sz="1600" dirty="0">
+                <a:solidFill>
+                  <a:schemeClr val="tx1">
+                    <a:lumMod val="95000"/>
+                    <a:lumOff val="5000"/>
+                  </a:schemeClr>
+                </a:solidFill>
+                <a:latin typeface="Segoe UI" panose="020B0502040204020203" pitchFamily="34" charset="0"/>
+                <a:ea typeface="Fira Sans Medium" panose="020B0603050000020004" pitchFamily="34" charset="0"/>
+                <a:cs typeface="Segoe UI" panose="020B0502040204020203" pitchFamily="34" charset="0"/>
+              </a:rPr>
+              <a:t>4 years active development</a:t>
+            </a:r>
+          </a:p>
+          <a:p>
+            <a:pPr>
+              <a:lnSpc>
+                <a:spcPct val="150000"/>
+              </a:lnSpc>
+            </a:pPr>
+            <a:r>
+              <a:rPr lang="en-AU" sz="1600" dirty="0">
+                <a:solidFill>
+                  <a:schemeClr val="tx1">
+                    <a:lumMod val="95000"/>
+                    <a:lumOff val="5000"/>
+                  </a:schemeClr>
+                </a:solidFill>
+                <a:latin typeface="Segoe UI" panose="020B0502040204020203" pitchFamily="34" charset="0"/>
+                <a:ea typeface="Fira Sans Medium" panose="020B0603050000020004" pitchFamily="34" charset="0"/>
+                <a:cs typeface="Segoe UI" panose="020B0502040204020203" pitchFamily="34" charset="0"/>
+              </a:rPr>
+              <a:t>2.5M+ package downloads</a:t>
+            </a:r>
+          </a:p>
+          <a:p>
+            <a:pPr>
+              <a:lnSpc>
+                <a:spcPct val="150000"/>
+              </a:lnSpc>
+            </a:pPr>
+            <a:r>
+              <a:rPr lang="en-AU" sz="1600" dirty="0">
+                <a:solidFill>
+                  <a:schemeClr val="tx1">
+                    <a:lumMod val="95000"/>
+                    <a:lumOff val="5000"/>
+                  </a:schemeClr>
+                </a:solidFill>
+                <a:latin typeface="Segoe UI" panose="020B0502040204020203" pitchFamily="34" charset="0"/>
+                <a:ea typeface="Fira Sans Medium" panose="020B0603050000020004" pitchFamily="34" charset="0"/>
+                <a:cs typeface="Segoe UI" panose="020B0502040204020203" pitchFamily="34" charset="0"/>
+              </a:rPr>
+              <a:t>80+ contributors</a:t>
+            </a:r>
+          </a:p>
+          <a:p>
+            <a:pPr>
+              <a:lnSpc>
+                <a:spcPct val="150000"/>
+              </a:lnSpc>
+            </a:pPr>
+            <a:r>
+              <a:rPr lang="en-AU" sz="1600" dirty="0">
+                <a:solidFill>
+                  <a:schemeClr val="tx1">
+                    <a:lumMod val="95000"/>
+                    <a:lumOff val="5000"/>
+                  </a:schemeClr>
+                </a:solidFill>
+                <a:latin typeface="Segoe UI" panose="020B0502040204020203" pitchFamily="34" charset="0"/>
+                <a:ea typeface="Fira Sans Medium" panose="020B0603050000020004" pitchFamily="34" charset="0"/>
+                <a:cs typeface="Segoe UI" panose="020B0502040204020203" pitchFamily="34" charset="0"/>
+              </a:rPr>
+              <a:t>100+ sinks</a:t>
+            </a:r>
+          </a:p>
+          <a:p>
+            <a:pPr>
+              <a:lnSpc>
+                <a:spcPct val="150000"/>
+              </a:lnSpc>
+            </a:pPr>
+            <a:r>
+              <a:rPr lang="en-AU" sz="1600" dirty="0">
+                <a:solidFill>
+                  <a:schemeClr val="tx1">
+                    <a:lumMod val="95000"/>
+                    <a:lumOff val="5000"/>
+                  </a:schemeClr>
+                </a:solidFill>
+                <a:latin typeface="Segoe UI" panose="020B0502040204020203" pitchFamily="34" charset="0"/>
+                <a:ea typeface="Fira Sans Medium" panose="020B0603050000020004" pitchFamily="34" charset="0"/>
+                <a:cs typeface="Segoe UI" panose="020B0502040204020203" pitchFamily="34" charset="0"/>
+              </a:rPr>
+              <a:t>Made with</a:t>
+            </a:r>
+          </a:p>
+        </p:txBody>
+      </p:sp>
+      <p:sp>
+        <p:nvSpPr>
+          <p:cNvPr id="11" name="Heart 10">
+            <a:extLst>
+              <a:ext uri="{FF2B5EF4-FFF2-40B4-BE49-F238E27FC236}">
+                <a16:creationId xmlns:a16="http://schemas.microsoft.com/office/drawing/2014/main" id="{B35B55C1-879A-43B1-84C4-D88B70D7D5DD}"/>
+              </a:ext>
+            </a:extLst>
+          </p:cNvPr>
+          <p:cNvSpPr/>
+          <p:nvPr/>
+        </p:nvSpPr>
+        <p:spPr>
+          <a:xfrm>
+            <a:off x="10264460" y="3908737"/>
+            <a:ext cx="173866" cy="167426"/>
+          </a:xfrm>
+          <a:prstGeom prst="heart">
+            <a:avLst/>
+          </a:prstGeom>
+          <a:solidFill>
+            <a:srgbClr val="FF2518"/>
+          </a:solidFill>
+          <a:ln>
+            <a:solidFill>
+              <a:schemeClr val="tx1">
+                <a:lumMod val="95000"/>
+                <a:lumOff val="5000"/>
+              </a:schemeClr>
+            </a:solidFill>
+          </a:ln>
+        </p:spPr>
+        <p:style>
+          <a:lnRef idx="2">
+            <a:schemeClr val="accent1">
+              <a:shade val="50000"/>
+            </a:schemeClr>
+          </a:lnRef>
+          <a:fillRef idx="1">
+            <a:schemeClr val="accent1"/>
+          </a:fillRef>
+          <a:effectRef idx="0">
+            <a:schemeClr val="accent1"/>
+          </a:effectRef>
+          <a:fontRef idx="minor">
+            <a:schemeClr val="lt1"/>
+          </a:fontRef>
+        </p:style>
+        <p:txBody>
+          <a:bodyPr rtlCol="0" anchor="ctr"/>
+          <a:lstStyle/>
+          <a:p>
+            <a:pPr algn="ctr"/>
+            <a:endParaRPr lang="en-AU"/>
+          </a:p>
+        </p:txBody>
+      </p:sp>
+      <p:cxnSp>
+        <p:nvCxnSpPr>
+          <p:cNvPr id="12" name="Straight Connector 11">
+            <a:extLst>
+              <a:ext uri="{FF2B5EF4-FFF2-40B4-BE49-F238E27FC236}">
+                <a16:creationId xmlns:a16="http://schemas.microsoft.com/office/drawing/2014/main" id="{50310111-6475-4CA7-A6D0-6ECA4AF0EA9B}"/>
+              </a:ext>
+            </a:extLst>
+          </p:cNvPr>
+          <p:cNvCxnSpPr/>
+          <p:nvPr/>
+        </p:nvCxnSpPr>
+        <p:spPr>
+          <a:xfrm flipV="1">
+            <a:off x="9163269" y="2852670"/>
+            <a:ext cx="637554" cy="90153"/>
+          </a:xfrm>
+          <a:prstGeom prst="line">
+            <a:avLst/>
+          </a:prstGeom>
+          <a:ln w="38100">
+            <a:solidFill>
+              <a:srgbClr val="FF2518"/>
+            </a:solidFill>
+          </a:ln>
+        </p:spPr>
+        <p:style>
+          <a:lnRef idx="1">
+            <a:schemeClr val="accent1"/>
+          </a:lnRef>
+          <a:fillRef idx="0">
+            <a:schemeClr val="accent1"/>
+          </a:fillRef>
+          <a:effectRef idx="0">
+            <a:schemeClr val="accent1"/>
+          </a:effectRef>
+          <a:fontRef idx="minor">
+            <a:schemeClr val="tx1"/>
+          </a:fontRef>
+        </p:style>
+      </p:cxnSp>
+      <p:sp>
+        <p:nvSpPr>
+          <p:cNvPr id="13" name="TextBox 12">
+            <a:extLst>
+              <a:ext uri="{FF2B5EF4-FFF2-40B4-BE49-F238E27FC236}">
+                <a16:creationId xmlns:a16="http://schemas.microsoft.com/office/drawing/2014/main" id="{18E497BF-3FAA-4D35-8A8D-0719FBF8B0FD}"/>
+              </a:ext>
+            </a:extLst>
+          </p:cNvPr>
+          <p:cNvSpPr txBox="1"/>
+          <p:nvPr/>
+        </p:nvSpPr>
+        <p:spPr>
+          <a:xfrm rot="444628">
+            <a:off x="10941787" y="3007436"/>
+            <a:ext cx="1027845" cy="400110"/>
+          </a:xfrm>
+          <a:prstGeom prst="rect">
+            <a:avLst/>
+          </a:prstGeom>
+          <a:noFill/>
+        </p:spPr>
+        <p:txBody>
+          <a:bodyPr wrap="none" rtlCol="0">
+            <a:spAutoFit/>
+          </a:bodyPr>
+          <a:lstStyle/>
+          <a:p>
+            <a:r>
+              <a:rPr lang="en-AU" sz="2000" dirty="0">
+                <a:solidFill>
+                  <a:srgbClr val="FF2518"/>
+                </a:solidFill>
+                <a:latin typeface="Segoe Script" panose="030B0504020000000003" pitchFamily="66" charset="0"/>
+              </a:rPr>
+              <a:t>6.7M+</a:t>
+            </a:r>
+            <a:endParaRPr lang="en-AU" sz="1600" dirty="0">
+              <a:solidFill>
+                <a:srgbClr val="FF2518"/>
+              </a:solidFill>
+              <a:latin typeface="Segoe Script" panose="030B0504020000000003" pitchFamily="66" charset="0"/>
+            </a:endParaRPr>
+          </a:p>
+        </p:txBody>
+      </p:sp>
+      <p:sp>
+        <p:nvSpPr>
+          <p:cNvPr id="7" name="TextBox 6">
+            <a:extLst>
+              <a:ext uri="{FF2B5EF4-FFF2-40B4-BE49-F238E27FC236}">
+                <a16:creationId xmlns:a16="http://schemas.microsoft.com/office/drawing/2014/main" id="{E6CE6878-7111-4075-ACF9-60F4E8C6563E}"/>
+              </a:ext>
+            </a:extLst>
+          </p:cNvPr>
+          <p:cNvSpPr txBox="1"/>
+          <p:nvPr/>
+        </p:nvSpPr>
+        <p:spPr>
+          <a:xfrm>
+            <a:off x="9800823" y="6060812"/>
+            <a:ext cx="2137145" cy="646331"/>
+          </a:xfrm>
+          <a:prstGeom prst="rect">
+            <a:avLst/>
+          </a:prstGeom>
+          <a:noFill/>
+        </p:spPr>
+        <p:txBody>
+          <a:bodyPr wrap="square" rtlCol="0">
+            <a:spAutoFit/>
+          </a:bodyPr>
+          <a:lstStyle/>
+          <a:p>
+            <a:r>
+              <a:rPr lang="en-US" dirty="0"/>
+              <a:t>Thibaud DESODT</a:t>
+            </a:r>
+          </a:p>
+          <a:p>
+            <a:r>
+              <a:rPr lang="en-US" dirty="0"/>
+              <a:t>@</a:t>
+            </a:r>
+            <a:r>
+              <a:rPr lang="en-US" dirty="0" err="1"/>
+              <a:t>tsimbalar</a:t>
+            </a:r>
+            <a:endParaRPr lang="en-US" dirty="0"/>
+          </a:p>
+        </p:txBody>
+      </p:sp>
+      <p:sp>
+        <p:nvSpPr>
+          <p:cNvPr id="2" name="TextBox 1">
+            <a:extLst>
+              <a:ext uri="{FF2B5EF4-FFF2-40B4-BE49-F238E27FC236}">
+                <a16:creationId xmlns:a16="http://schemas.microsoft.com/office/drawing/2014/main" id="{23D2F81B-3743-47E2-A93B-114B996F9B7D}"/>
+              </a:ext>
+            </a:extLst>
+          </p:cNvPr>
+          <p:cNvSpPr txBox="1"/>
+          <p:nvPr/>
+        </p:nvSpPr>
+        <p:spPr>
+          <a:xfrm>
+            <a:off x="9154420" y="4593265"/>
+            <a:ext cx="2644827" cy="1015663"/>
+          </a:xfrm>
+          <a:prstGeom prst="rect">
+            <a:avLst/>
+          </a:prstGeom>
+          <a:noFill/>
+        </p:spPr>
+        <p:txBody>
+          <a:bodyPr wrap="square" rtlCol="0">
+            <a:spAutoFit/>
+          </a:bodyPr>
+          <a:lstStyle/>
+          <a:p>
+            <a:r>
+              <a:rPr lang="en-US" dirty="0"/>
+              <a:t>More info : </a:t>
+            </a:r>
+            <a:endParaRPr lang="en-US" dirty="0">
+              <a:hlinkClick r:id="rId3"/>
+            </a:endParaRPr>
+          </a:p>
+          <a:p>
+            <a:r>
+              <a:rPr lang="en-US" sz="1400" dirty="0">
+                <a:hlinkClick r:id="rId3"/>
+              </a:rPr>
+              <a:t>https://serilog.net</a:t>
+            </a:r>
+            <a:endParaRPr lang="en-US" sz="1400" dirty="0"/>
+          </a:p>
+          <a:p>
+            <a:r>
+              <a:rPr lang="en-US" sz="1400" dirty="0">
+                <a:hlinkClick r:id="rId4"/>
+              </a:rPr>
+              <a:t>https://github.com/serilog</a:t>
+            </a:r>
+            <a:endParaRPr lang="en-US" sz="1400" dirty="0"/>
+          </a:p>
+          <a:p>
+            <a:r>
+              <a:rPr lang="en-US" sz="1400" dirty="0">
+                <a:hlinkClick r:id="rId5"/>
+              </a:rPr>
+              <a:t>https://messagetemplates.org/</a:t>
+            </a:r>
+            <a:endParaRPr lang="en-US" sz="1400" dirty="0"/>
+          </a:p>
+        </p:txBody>
+      </p:sp>
+    </p:spTree>
+    <p:extLst>
+      <p:ext uri="{BB962C8B-B14F-4D97-AF65-F5344CB8AC3E}">
+        <p14:creationId xmlns:p14="http://schemas.microsoft.com/office/powerpoint/2010/main" val="2536912572"/>
       </p:ext>
     </p:extLst>
   </p:cSld>
@@ -4892,12 +5581,137 @@
           </a:p>
         </p:txBody>
       </p:sp>
-      <p:sp>
-        <p:nvSpPr>
-          <p:cNvPr id="5" name="TextBox 4">
-            <a:extLst>
-              <a:ext uri="{FF2B5EF4-FFF2-40B4-BE49-F238E27FC236}">
-                <a16:creationId xmlns:a16="http://schemas.microsoft.com/office/drawing/2014/main" id="{D70D7B52-24DD-4420-8492-5193C273BA85}"/>
+      <p:grpSp>
+        <p:nvGrpSpPr>
+          <p:cNvPr id="2" name="Group 1">
+            <a:extLst>
+              <a:ext uri="{FF2B5EF4-FFF2-40B4-BE49-F238E27FC236}">
+                <a16:creationId xmlns:a16="http://schemas.microsoft.com/office/drawing/2014/main" id="{11B983C2-C850-4494-8799-EE5D9A5ACAE5}"/>
+              </a:ext>
+            </a:extLst>
+          </p:cNvPr>
+          <p:cNvGrpSpPr/>
+          <p:nvPr/>
+        </p:nvGrpSpPr>
+        <p:grpSpPr>
+          <a:xfrm>
+            <a:off x="5246370" y="2148840"/>
+            <a:ext cx="5581650" cy="1754326"/>
+            <a:chOff x="5246370" y="2148840"/>
+            <a:chExt cx="5581650" cy="1754326"/>
+          </a:xfrm>
+        </p:grpSpPr>
+        <p:sp>
+          <p:nvSpPr>
+            <p:cNvPr id="5" name="TextBox 4">
+              <a:extLst>
+                <a:ext uri="{FF2B5EF4-FFF2-40B4-BE49-F238E27FC236}">
+                  <a16:creationId xmlns:a16="http://schemas.microsoft.com/office/drawing/2014/main" id="{D70D7B52-24DD-4420-8492-5193C273BA85}"/>
+                </a:ext>
+              </a:extLst>
+            </p:cNvPr>
+            <p:cNvSpPr txBox="1"/>
+            <p:nvPr/>
+          </p:nvSpPr>
+          <p:spPr>
+            <a:xfrm>
+              <a:off x="6267450" y="2148840"/>
+              <a:ext cx="4560570" cy="1754326"/>
+            </a:xfrm>
+            <a:prstGeom prst="rect">
+              <a:avLst/>
+            </a:prstGeom>
+            <a:noFill/>
+          </p:spPr>
+          <p:txBody>
+            <a:bodyPr wrap="square" rtlCol="0">
+              <a:spAutoFit/>
+            </a:bodyPr>
+            <a:lstStyle/>
+            <a:p>
+              <a:r>
+                <a:rPr lang="en-US" sz="4400" b="1" dirty="0"/>
+                <a:t>Structured-logging</a:t>
+              </a:r>
+            </a:p>
+            <a:p>
+              <a:r>
+                <a:rPr lang="en-US" sz="3200" dirty="0"/>
+                <a:t>Write log </a:t>
+              </a:r>
+              <a:r>
+                <a:rPr lang="en-US" sz="3200" u="sng" dirty="0"/>
+                <a:t>events</a:t>
+              </a:r>
+            </a:p>
+            <a:p>
+              <a:pPr marL="285750" indent="-285750">
+                <a:buFont typeface="Arial" panose="020B0604020202020204" pitchFamily="34" charset="0"/>
+                <a:buChar char="•"/>
+              </a:pPr>
+              <a:endParaRPr lang="en-US" sz="3200" dirty="0"/>
+            </a:p>
+          </p:txBody>
+        </p:sp>
+        <p:sp>
+          <p:nvSpPr>
+            <p:cNvPr id="6" name="Arrow: Right 5">
+              <a:extLst>
+                <a:ext uri="{FF2B5EF4-FFF2-40B4-BE49-F238E27FC236}">
+                  <a16:creationId xmlns:a16="http://schemas.microsoft.com/office/drawing/2014/main" id="{077CD0DA-95F0-4289-B61B-0C61EA547696}"/>
+                </a:ext>
+              </a:extLst>
+            </p:cNvPr>
+            <p:cNvSpPr/>
+            <p:nvPr/>
+          </p:nvSpPr>
+          <p:spPr>
+            <a:xfrm>
+              <a:off x="5246370" y="2286000"/>
+              <a:ext cx="746761" cy="571500"/>
+            </a:xfrm>
+            <a:prstGeom prst="rightArrow">
+              <a:avLst/>
+            </a:prstGeom>
+            <a:solidFill>
+              <a:srgbClr val="FF0000"/>
+            </a:solidFill>
+            <a:ln>
+              <a:noFill/>
+            </a:ln>
+          </p:spPr>
+          <p:style>
+            <a:lnRef idx="2">
+              <a:schemeClr val="accent1">
+                <a:shade val="50000"/>
+              </a:schemeClr>
+            </a:lnRef>
+            <a:fillRef idx="1">
+              <a:schemeClr val="accent1"/>
+            </a:fillRef>
+            <a:effectRef idx="0">
+              <a:schemeClr val="accent1"/>
+            </a:effectRef>
+            <a:fontRef idx="minor">
+              <a:schemeClr val="lt1"/>
+            </a:fontRef>
+          </p:style>
+          <p:txBody>
+            <a:bodyPr rtlCol="0" anchor="ctr"/>
+            <a:lstStyle/>
+            <a:p>
+              <a:pPr algn="ctr"/>
+              <a:endParaRPr lang="en-US"/>
+            </a:p>
+          </p:txBody>
+        </p:sp>
+      </p:grpSp>
+      <p:sp>
+        <p:nvSpPr>
+          <p:cNvPr id="7" name="TextBox 6">
+            <a:extLst>
+              <a:ext uri="{FF2B5EF4-FFF2-40B4-BE49-F238E27FC236}">
+                <a16:creationId xmlns:a16="http://schemas.microsoft.com/office/drawing/2014/main" id="{ED1D1EE8-EE74-497C-8F7A-01BA39BDDA11}"/>
               </a:ext>
             </a:extLst>
           </p:cNvPr>
@@ -4906,178 +5720,8 @@
         </p:nvSpPr>
         <p:spPr>
           <a:xfrm>
-            <a:off x="6267450" y="2148840"/>
-            <a:ext cx="4560570" cy="1754326"/>
-          </a:xfrm>
-          <a:prstGeom prst="rect">
-            <a:avLst/>
-          </a:prstGeom>
-          <a:noFill/>
-        </p:spPr>
-        <p:txBody>
-          <a:bodyPr wrap="square" rtlCol="0">
-            <a:spAutoFit/>
-          </a:bodyPr>
-          <a:lstStyle/>
-          <a:p>
-            <a:r>
-              <a:rPr lang="en-US" sz="4400" b="1" dirty="0"/>
-              <a:t>Structured-logging</a:t>
-            </a:r>
-          </a:p>
-          <a:p>
-            <a:r>
-              <a:rPr lang="en-US" sz="3200" dirty="0"/>
-              <a:t>Write log </a:t>
-            </a:r>
-            <a:r>
-              <a:rPr lang="en-US" sz="3200" u="sng" dirty="0"/>
-              <a:t>events</a:t>
-            </a:r>
-          </a:p>
-          <a:p>
-            <a:pPr marL="285750" indent="-285750">
-              <a:buFont typeface="Arial" panose="020B0604020202020204" pitchFamily="34" charset="0"/>
-              <a:buChar char="•"/>
-            </a:pPr>
-            <a:endParaRPr lang="en-US" sz="3200" dirty="0"/>
-          </a:p>
-        </p:txBody>
-      </p:sp>
-      <p:sp>
-        <p:nvSpPr>
-          <p:cNvPr id="6" name="Arrow: Right 5">
-            <a:extLst>
-              <a:ext uri="{FF2B5EF4-FFF2-40B4-BE49-F238E27FC236}">
-                <a16:creationId xmlns:a16="http://schemas.microsoft.com/office/drawing/2014/main" id="{077CD0DA-95F0-4289-B61B-0C61EA547696}"/>
-              </a:ext>
-            </a:extLst>
-          </p:cNvPr>
-          <p:cNvSpPr/>
-          <p:nvPr/>
-        </p:nvSpPr>
-        <p:spPr>
-          <a:xfrm>
-            <a:off x="5246370" y="2286000"/>
-            <a:ext cx="746761" cy="571500"/>
-          </a:xfrm>
-          <a:prstGeom prst="rightArrow">
-            <a:avLst/>
-          </a:prstGeom>
-          <a:solidFill>
-            <a:srgbClr val="FF0000"/>
-          </a:solidFill>
-          <a:ln>
-            <a:noFill/>
-          </a:ln>
-        </p:spPr>
-        <p:style>
-          <a:lnRef idx="2">
-            <a:schemeClr val="accent1">
-              <a:shade val="50000"/>
-            </a:schemeClr>
-          </a:lnRef>
-          <a:fillRef idx="1">
-            <a:schemeClr val="accent1"/>
-          </a:fillRef>
-          <a:effectRef idx="0">
-            <a:schemeClr val="accent1"/>
-          </a:effectRef>
-          <a:fontRef idx="minor">
-            <a:schemeClr val="lt1"/>
-          </a:fontRef>
-        </p:style>
-        <p:txBody>
-          <a:bodyPr rtlCol="0" anchor="ctr"/>
-          <a:lstStyle/>
-          <a:p>
-            <a:pPr algn="ctr"/>
-            <a:endParaRPr lang="en-US"/>
-          </a:p>
-        </p:txBody>
-      </p:sp>
-    </p:spTree>
-    <p:extLst>
-      <p:ext uri="{BB962C8B-B14F-4D97-AF65-F5344CB8AC3E}">
-        <p14:creationId xmlns:p14="http://schemas.microsoft.com/office/powerpoint/2010/main" val="3738113968"/>
-      </p:ext>
-    </p:extLst>
-  </p:cSld>
-  <p:clrMapOvr>
-    <a:masterClrMapping/>
-  </p:clrMapOvr>
-</p:sld>
-</file>
-
-<file path=ppt/slides/slide5.xml><?xml version="1.0" encoding="utf-8"?>
-<p:sld xmlns:a="http://schemas.openxmlformats.org/drawingml/2006/main" xmlns:r="http://schemas.openxmlformats.org/officeDocument/2006/relationships" xmlns:p="http://schemas.openxmlformats.org/presentationml/2006/main">
-  <p:cSld>
-    <p:spTree>
-      <p:nvGrpSpPr>
-        <p:cNvPr id="1" name=""/>
-        <p:cNvGrpSpPr/>
-        <p:nvPr/>
-      </p:nvGrpSpPr>
-      <p:grpSpPr>
-        <a:xfrm>
-          <a:off x="0" y="0"/>
-          <a:ext cx="0" cy="0"/>
-          <a:chOff x="0" y="0"/>
-          <a:chExt cx="0" cy="0"/>
-        </a:xfrm>
-      </p:grpSpPr>
-      <p:pic>
-        <p:nvPicPr>
-          <p:cNvPr id="5" name="Picture 4">
-            <a:extLst>
-              <a:ext uri="{FF2B5EF4-FFF2-40B4-BE49-F238E27FC236}">
-                <a16:creationId xmlns:a16="http://schemas.microsoft.com/office/drawing/2014/main" id="{F2BBA188-A24E-44B7-AB05-8332B58269D5}"/>
-              </a:ext>
-            </a:extLst>
-          </p:cNvPr>
-          <p:cNvPicPr>
-            <a:picLocks noChangeAspect="1"/>
-          </p:cNvPicPr>
-          <p:nvPr/>
-        </p:nvPicPr>
-        <p:blipFill>
-          <a:blip r:embed="rId2">
-            <a:extLst>
-              <a:ext uri="{28A0092B-C50C-407E-A947-70E740481C1C}">
-                <a14:useLocalDpi xmlns:a14="http://schemas.microsoft.com/office/drawing/2010/main" val="0"/>
-              </a:ext>
-            </a:extLst>
-          </a:blip>
-          <a:stretch>
-            <a:fillRect/>
-          </a:stretch>
-        </p:blipFill>
-        <p:spPr>
-          <a:xfrm>
-            <a:off x="1329343" y="-1"/>
-            <a:ext cx="9127642" cy="7176977"/>
-          </a:xfrm>
-          <a:prstGeom prst="rect">
-            <a:avLst/>
-          </a:prstGeom>
-        </p:spPr>
-      </p:pic>
-      <p:sp>
-        <p:nvSpPr>
-          <p:cNvPr id="6" name="Rectangle 5">
-            <a:extLst>
-              <a:ext uri="{FF2B5EF4-FFF2-40B4-BE49-F238E27FC236}">
-                <a16:creationId xmlns:a16="http://schemas.microsoft.com/office/drawing/2014/main" id="{CA54C5BB-D4D1-4DB9-A5D2-3DEA0ABBBEB9}"/>
-              </a:ext>
-            </a:extLst>
-          </p:cNvPr>
-          <p:cNvSpPr/>
-          <p:nvPr/>
-        </p:nvSpPr>
-        <p:spPr>
-          <a:xfrm>
-            <a:off x="1116419" y="-1"/>
-            <a:ext cx="5869172" cy="1839434"/>
+            <a:off x="-1624929" y="3637943"/>
+            <a:ext cx="7521294" cy="276999"/>
           </a:xfrm>
           <a:prstGeom prst="rect">
             <a:avLst/>
@@ -5086,50 +5730,71 @@
             <a:schemeClr val="bg1"/>
           </a:solidFill>
           <a:ln>
-            <a:noFill/>
+            <a:solidFill>
+              <a:schemeClr val="bg1">
+                <a:lumMod val="50000"/>
+              </a:schemeClr>
+            </a:solidFill>
           </a:ln>
         </p:spPr>
-        <p:style>
-          <a:lnRef idx="2">
-            <a:schemeClr val="accent1">
-              <a:shade val="50000"/>
-            </a:schemeClr>
-          </a:lnRef>
-          <a:fillRef idx="1">
-            <a:schemeClr val="accent1"/>
-          </a:fillRef>
-          <a:effectRef idx="0">
-            <a:schemeClr val="accent1"/>
-          </a:effectRef>
-          <a:fontRef idx="minor">
-            <a:schemeClr val="lt1"/>
-          </a:fontRef>
-        </p:style>
-        <p:txBody>
-          <a:bodyPr rtlCol="0" anchor="ctr"/>
-          <a:lstStyle/>
-          <a:p>
-            <a:pPr algn="ctr"/>
-            <a:endParaRPr lang="en-US"/>
-          </a:p>
-        </p:txBody>
-      </p:sp>
-      <p:sp>
-        <p:nvSpPr>
-          <p:cNvPr id="7" name="Rectangle 6">
-            <a:extLst>
-              <a:ext uri="{FF2B5EF4-FFF2-40B4-BE49-F238E27FC236}">
-                <a16:creationId xmlns:a16="http://schemas.microsoft.com/office/drawing/2014/main" id="{7AE68914-E6BF-4C1E-B67A-6B09D4B74F19}"/>
-              </a:ext>
-            </a:extLst>
-          </p:cNvPr>
-          <p:cNvSpPr/>
+        <p:txBody>
+          <a:bodyPr wrap="square" rtlCol="0">
+            <a:spAutoFit/>
+          </a:bodyPr>
+          <a:lstStyle/>
+          <a:p>
+            <a:r>
+              <a:rPr lang="en-US" sz="1200" dirty="0">
+                <a:solidFill>
+                  <a:schemeClr val="tx1">
+                    <a:lumMod val="65000"/>
+                    <a:lumOff val="35000"/>
+                  </a:schemeClr>
+                </a:solidFill>
+                <a:latin typeface="Consolas" panose="020B0609020204030204" pitchFamily="49" charset="0"/>
+              </a:rPr>
+              <a:t>2012-12-12 11:56:19,902 [Home] INFO: Home page for customer john@doe.com loaded in 3 </a:t>
+            </a:r>
+            <a:r>
+              <a:rPr lang="en-US" sz="1200" dirty="0" err="1">
+                <a:solidFill>
+                  <a:schemeClr val="tx1">
+                    <a:lumMod val="65000"/>
+                    <a:lumOff val="35000"/>
+                  </a:schemeClr>
+                </a:solidFill>
+                <a:latin typeface="Consolas" panose="020B0609020204030204" pitchFamily="49" charset="0"/>
+              </a:rPr>
+              <a:t>ms</a:t>
+            </a:r>
+            <a:endParaRPr lang="en-US" sz="1200" dirty="0">
+              <a:solidFill>
+                <a:schemeClr val="tx1">
+                  <a:lumMod val="65000"/>
+                  <a:lumOff val="35000"/>
+                </a:schemeClr>
+              </a:solidFill>
+              <a:latin typeface="Consolas" panose="020B0609020204030204" pitchFamily="49" charset="0"/>
+            </a:endParaRPr>
+          </a:p>
+        </p:txBody>
+      </p:sp>
+      <p:sp>
+        <p:nvSpPr>
+          <p:cNvPr id="8" name="TextBox 7">
+            <a:extLst>
+              <a:ext uri="{FF2B5EF4-FFF2-40B4-BE49-F238E27FC236}">
+                <a16:creationId xmlns:a16="http://schemas.microsoft.com/office/drawing/2014/main" id="{E97E8424-1A3A-4487-8FB6-7E7C277C3B9A}"/>
+              </a:ext>
+            </a:extLst>
+          </p:cNvPr>
+          <p:cNvSpPr txBox="1"/>
           <p:nvPr/>
         </p:nvSpPr>
         <p:spPr>
           <a:xfrm>
-            <a:off x="6985591" y="0"/>
-            <a:ext cx="3684318" cy="1839434"/>
+            <a:off x="6096000" y="3594208"/>
+            <a:ext cx="6011538" cy="2062103"/>
           </a:xfrm>
           <a:prstGeom prst="rect">
             <a:avLst/>
@@ -5138,142 +5803,166 @@
             <a:schemeClr val="bg1"/>
           </a:solidFill>
           <a:ln>
-            <a:noFill/>
+            <a:solidFill>
+              <a:schemeClr val="bg1">
+                <a:lumMod val="50000"/>
+              </a:schemeClr>
+            </a:solidFill>
           </a:ln>
         </p:spPr>
-        <p:style>
-          <a:lnRef idx="2">
-            <a:schemeClr val="accent1">
-              <a:shade val="50000"/>
-            </a:schemeClr>
-          </a:lnRef>
-          <a:fillRef idx="1">
-            <a:schemeClr val="accent1"/>
-          </a:fillRef>
-          <a:effectRef idx="0">
-            <a:schemeClr val="accent1"/>
-          </a:effectRef>
-          <a:fontRef idx="minor">
-            <a:schemeClr val="lt1"/>
-          </a:fontRef>
-        </p:style>
-        <p:txBody>
-          <a:bodyPr rtlCol="0" anchor="ctr"/>
-          <a:lstStyle/>
-          <a:p>
-            <a:pPr algn="ctr"/>
-            <a:endParaRPr lang="en-US"/>
-          </a:p>
-        </p:txBody>
-      </p:sp>
-      <p:sp>
-        <p:nvSpPr>
-          <p:cNvPr id="8" name="Rectangle 7">
-            <a:extLst>
-              <a:ext uri="{FF2B5EF4-FFF2-40B4-BE49-F238E27FC236}">
-                <a16:creationId xmlns:a16="http://schemas.microsoft.com/office/drawing/2014/main" id="{83D2E812-5FA2-4E01-ACB4-F4E1BB4A8A0E}"/>
-              </a:ext>
-            </a:extLst>
-          </p:cNvPr>
-          <p:cNvSpPr/>
-          <p:nvPr/>
-        </p:nvSpPr>
-        <p:spPr>
-          <a:xfrm>
-            <a:off x="1116419" y="2417133"/>
-            <a:ext cx="9553490" cy="2367517"/>
-          </a:xfrm>
-          <a:prstGeom prst="rect">
-            <a:avLst/>
-          </a:prstGeom>
-          <a:solidFill>
-            <a:schemeClr val="bg1"/>
-          </a:solidFill>
-          <a:ln>
-            <a:noFill/>
-          </a:ln>
-        </p:spPr>
-        <p:style>
-          <a:lnRef idx="2">
-            <a:schemeClr val="accent1">
-              <a:shade val="50000"/>
-            </a:schemeClr>
-          </a:lnRef>
-          <a:fillRef idx="1">
-            <a:schemeClr val="accent1"/>
-          </a:fillRef>
-          <a:effectRef idx="0">
-            <a:schemeClr val="accent1"/>
-          </a:effectRef>
-          <a:fontRef idx="minor">
-            <a:schemeClr val="lt1"/>
-          </a:fontRef>
-        </p:style>
-        <p:txBody>
-          <a:bodyPr rtlCol="0" anchor="ctr"/>
-          <a:lstStyle/>
-          <a:p>
-            <a:pPr algn="ctr"/>
-            <a:endParaRPr lang="en-US"/>
-          </a:p>
-        </p:txBody>
-      </p:sp>
-      <p:sp>
-        <p:nvSpPr>
-          <p:cNvPr id="9" name="Rectangle 8">
-            <a:extLst>
-              <a:ext uri="{FF2B5EF4-FFF2-40B4-BE49-F238E27FC236}">
-                <a16:creationId xmlns:a16="http://schemas.microsoft.com/office/drawing/2014/main" id="{3BE77871-DCF6-4F05-A780-ABFEECB18653}"/>
-              </a:ext>
-            </a:extLst>
-          </p:cNvPr>
-          <p:cNvSpPr/>
-          <p:nvPr/>
-        </p:nvSpPr>
-        <p:spPr>
-          <a:xfrm>
-            <a:off x="1116419" y="4784650"/>
-            <a:ext cx="9746238" cy="2367517"/>
-          </a:xfrm>
-          <a:prstGeom prst="rect">
-            <a:avLst/>
-          </a:prstGeom>
-          <a:solidFill>
-            <a:schemeClr val="bg1"/>
-          </a:solidFill>
-          <a:ln>
-            <a:noFill/>
-          </a:ln>
-        </p:spPr>
-        <p:style>
-          <a:lnRef idx="2">
-            <a:schemeClr val="accent1">
-              <a:shade val="50000"/>
-            </a:schemeClr>
-          </a:lnRef>
-          <a:fillRef idx="1">
-            <a:schemeClr val="accent1"/>
-          </a:fillRef>
-          <a:effectRef idx="0">
-            <a:schemeClr val="accent1"/>
-          </a:effectRef>
-          <a:fontRef idx="minor">
-            <a:schemeClr val="lt1"/>
-          </a:fontRef>
-        </p:style>
-        <p:txBody>
-          <a:bodyPr rtlCol="0" anchor="ctr"/>
-          <a:lstStyle/>
-          <a:p>
-            <a:pPr algn="ctr"/>
-            <a:endParaRPr lang="en-US"/>
+        <p:txBody>
+          <a:bodyPr wrap="square" rtlCol="0">
+            <a:spAutoFit/>
+          </a:bodyPr>
+          <a:lstStyle/>
+          <a:p>
+            <a:endParaRPr lang="en-US" sz="1600" dirty="0">
+              <a:latin typeface="Consolas" panose="020B0609020204030204" pitchFamily="49" charset="0"/>
+            </a:endParaRPr>
+          </a:p>
+          <a:p>
+            <a:r>
+              <a:rPr lang="en-US" sz="1600" dirty="0">
+                <a:latin typeface="Consolas" panose="020B0609020204030204" pitchFamily="49" charset="0"/>
+              </a:rPr>
+              <a:t>  </a:t>
+            </a:r>
+            <a:r>
+              <a:rPr lang="en-US" sz="1600" b="1" dirty="0">
+                <a:latin typeface="Consolas" panose="020B0609020204030204" pitchFamily="49" charset="0"/>
+              </a:rPr>
+              <a:t>timestamp</a:t>
+            </a:r>
+            <a:r>
+              <a:rPr lang="en-US" sz="1600" dirty="0">
+                <a:latin typeface="Consolas" panose="020B0609020204030204" pitchFamily="49" charset="0"/>
+              </a:rPr>
+              <a:t> : "2012-12-12 11:56:19,902"</a:t>
+            </a:r>
+          </a:p>
+          <a:p>
+            <a:r>
+              <a:rPr lang="en-US" sz="1600" dirty="0">
+                <a:latin typeface="Consolas" panose="020B0609020204030204" pitchFamily="49" charset="0"/>
+              </a:rPr>
+              <a:t>  </a:t>
+            </a:r>
+            <a:r>
+              <a:rPr lang="en-US" sz="1600" b="1" dirty="0">
+                <a:latin typeface="Consolas" panose="020B0609020204030204" pitchFamily="49" charset="0"/>
+              </a:rPr>
+              <a:t>level</a:t>
+            </a:r>
+            <a:r>
+              <a:rPr lang="en-US" sz="1600" dirty="0">
+                <a:latin typeface="Consolas" panose="020B0609020204030204" pitchFamily="49" charset="0"/>
+              </a:rPr>
+              <a:t> : "Information"</a:t>
+            </a:r>
+          </a:p>
+          <a:p>
+            <a:r>
+              <a:rPr lang="en-US" sz="1600" dirty="0">
+                <a:latin typeface="Consolas" panose="020B0609020204030204" pitchFamily="49" charset="0"/>
+              </a:rPr>
+              <a:t>  </a:t>
+            </a:r>
+            <a:r>
+              <a:rPr lang="en-US" sz="1600" b="1" dirty="0">
+                <a:latin typeface="Consolas" panose="020B0609020204030204" pitchFamily="49" charset="0"/>
+              </a:rPr>
+              <a:t>module</a:t>
+            </a:r>
+            <a:r>
+              <a:rPr lang="en-US" sz="1600" dirty="0">
+                <a:latin typeface="Consolas" panose="020B0609020204030204" pitchFamily="49" charset="0"/>
+              </a:rPr>
+              <a:t> : "Home"</a:t>
+            </a:r>
+          </a:p>
+          <a:p>
+            <a:r>
+              <a:rPr lang="en-US" sz="1600" dirty="0">
+                <a:latin typeface="Consolas" panose="020B0609020204030204" pitchFamily="49" charset="0"/>
+              </a:rPr>
+              <a:t>  </a:t>
+            </a:r>
+            <a:r>
+              <a:rPr lang="en-US" sz="1600" b="1" dirty="0" err="1">
+                <a:latin typeface="Consolas" panose="020B0609020204030204" pitchFamily="49" charset="0"/>
+              </a:rPr>
+              <a:t>msg</a:t>
+            </a:r>
+            <a:r>
+              <a:rPr lang="en-US" sz="1600" dirty="0">
+                <a:latin typeface="Consolas" panose="020B0609020204030204" pitchFamily="49" charset="0"/>
+              </a:rPr>
+              <a:t> : "Home page for customer %s loaded in %d </a:t>
+            </a:r>
+            <a:r>
+              <a:rPr lang="en-US" sz="1600" dirty="0" err="1">
+                <a:latin typeface="Consolas" panose="020B0609020204030204" pitchFamily="49" charset="0"/>
+              </a:rPr>
+              <a:t>ms</a:t>
+            </a:r>
+            <a:r>
+              <a:rPr lang="en-US" sz="1600" dirty="0">
+                <a:latin typeface="Consolas" panose="020B0609020204030204" pitchFamily="49" charset="0"/>
+              </a:rPr>
+              <a:t>"</a:t>
+            </a:r>
+          </a:p>
+          <a:p>
+            <a:r>
+              <a:rPr lang="en-US" sz="1600" dirty="0">
+                <a:latin typeface="Consolas" panose="020B0609020204030204" pitchFamily="49" charset="0"/>
+              </a:rPr>
+              <a:t>  </a:t>
+            </a:r>
+            <a:r>
+              <a:rPr lang="en-US" sz="1600" b="1" dirty="0" err="1">
+                <a:latin typeface="Consolas" panose="020B0609020204030204" pitchFamily="49" charset="0"/>
+              </a:rPr>
+              <a:t>customerName</a:t>
+            </a:r>
+            <a:r>
+              <a:rPr lang="en-US" sz="1600" dirty="0">
+                <a:latin typeface="Consolas" panose="020B0609020204030204" pitchFamily="49" charset="0"/>
+              </a:rPr>
+              <a:t> : "john@doe.com"</a:t>
+            </a:r>
+          </a:p>
+          <a:p>
+            <a:r>
+              <a:rPr lang="en-US" sz="1600" dirty="0">
+                <a:latin typeface="Consolas" panose="020B0609020204030204" pitchFamily="49" charset="0"/>
+              </a:rPr>
+              <a:t>  </a:t>
+            </a:r>
+            <a:r>
+              <a:rPr lang="en-US" sz="1600" b="1" dirty="0">
+                <a:latin typeface="Consolas" panose="020B0609020204030204" pitchFamily="49" charset="0"/>
+              </a:rPr>
+              <a:t>duration</a:t>
+            </a:r>
+            <a:r>
+              <a:rPr lang="en-US" sz="1600" dirty="0">
+                <a:latin typeface="Consolas" panose="020B0609020204030204" pitchFamily="49" charset="0"/>
+              </a:rPr>
+              <a:t> : "3"</a:t>
+            </a:r>
+          </a:p>
+          <a:p>
+            <a:endParaRPr lang="en-US" sz="1600" dirty="0">
+              <a:latin typeface="Consolas" panose="020B0609020204030204" pitchFamily="49" charset="0"/>
+            </a:endParaRPr>
           </a:p>
         </p:txBody>
       </p:sp>
     </p:spTree>
     <p:extLst>
       <p:ext uri="{BB962C8B-B14F-4D97-AF65-F5344CB8AC3E}">
-        <p14:creationId xmlns:p14="http://schemas.microsoft.com/office/powerpoint/2010/main" val="240935981"/>
+        <p14:creationId xmlns:p14="http://schemas.microsoft.com/office/powerpoint/2010/main" val="3738113968"/>
       </p:ext>
     </p:extLst>
   </p:cSld>
@@ -5301,7 +5990,7 @@
                             </p:stCondLst>
                             <p:childTnLst>
                               <p:par>
-                                <p:cTn id="5" presetID="1" presetClass="exit" presetSubtype="0" fill="hold" grpId="0" nodeType="clickEffect">
+                                <p:cTn id="5" presetID="1" presetClass="entr" presetSubtype="0" fill="hold" nodeType="clickEffect">
                                   <p:stCondLst>
                                     <p:cond delay="0"/>
                                   </p:stCondLst>
@@ -5314,14 +6003,14 @@
                                           </p:stCondLst>
                                         </p:cTn>
                                         <p:tgtEl>
-                                          <p:spTgt spid="7"/>
+                                          <p:spTgt spid="2"/>
                                         </p:tgtEl>
                                         <p:attrNameLst>
                                           <p:attrName>style.visibility</p:attrName>
                                         </p:attrNameLst>
                                       </p:cBhvr>
                                       <p:to>
-                                        <p:strVal val="hidden"/>
+                                        <p:strVal val="visible"/>
                                       </p:to>
                                     </p:set>
                                   </p:childTnLst>
@@ -5346,7 +6035,7 @@
                             </p:stCondLst>
                             <p:childTnLst>
                               <p:par>
-                                <p:cTn id="9" presetID="1" presetClass="exit" presetSubtype="0" fill="hold" grpId="0" nodeType="clickEffect">
+                                <p:cTn id="9" presetID="1" presetClass="entr" presetSubtype="0" fill="hold" grpId="0" nodeType="clickEffect">
                                   <p:stCondLst>
                                     <p:cond delay="0"/>
                                   </p:stCondLst>
@@ -5366,52 +6055,7 @@
                                         </p:attrNameLst>
                                       </p:cBhvr>
                                       <p:to>
-                                        <p:strVal val="hidden"/>
-                                      </p:to>
-                                    </p:set>
-                                  </p:childTnLst>
-                                </p:cTn>
-                              </p:par>
-                            </p:childTnLst>
-                          </p:cTn>
-                        </p:par>
-                      </p:childTnLst>
-                    </p:cTn>
-                  </p:par>
-                  <p:par>
-                    <p:cTn id="11" fill="hold">
-                      <p:stCondLst>
-                        <p:cond delay="indefinite"/>
-                      </p:stCondLst>
-                      <p:childTnLst>
-                        <p:par>
-                          <p:cTn id="12" fill="hold">
-                            <p:stCondLst>
-                              <p:cond delay="0"/>
-                            </p:stCondLst>
-                            <p:childTnLst>
-                              <p:par>
-                                <p:cTn id="13" presetID="1" presetClass="exit" presetSubtype="0" fill="hold" grpId="0" nodeType="clickEffect">
-                                  <p:stCondLst>
-                                    <p:cond delay="0"/>
-                                  </p:stCondLst>
-                                  <p:childTnLst>
-                                    <p:set>
-                                      <p:cBhvr>
-                                        <p:cTn id="14" dur="1" fill="hold">
-                                          <p:stCondLst>
-                                            <p:cond delay="0"/>
-                                          </p:stCondLst>
-                                        </p:cTn>
-                                        <p:tgtEl>
-                                          <p:spTgt spid="9"/>
-                                        </p:tgtEl>
-                                        <p:attrNameLst>
-                                          <p:attrName>style.visibility</p:attrName>
-                                        </p:attrNameLst>
-                                      </p:cBhvr>
-                                      <p:to>
-                                        <p:strVal val="hidden"/>
+                                        <p:strVal val="visible"/>
                                       </p:to>
                                     </p:set>
                                   </p:childTnLst>
@@ -5445,11 +6089,283 @@
       </p:par>
     </p:tnLst>
     <p:bldLst>
-      <p:bldP spid="7" grpId="0" animBg="1"/>
       <p:bldP spid="8" grpId="0" animBg="1"/>
-      <p:bldP spid="9" grpId="0" animBg="1"/>
     </p:bldLst>
   </p:timing>
+</p:sld>
+</file>
+
+<file path=ppt/slides/slide5.xml><?xml version="1.0" encoding="utf-8"?>
+<p:sld xmlns:a="http://schemas.openxmlformats.org/drawingml/2006/main" xmlns:r="http://schemas.openxmlformats.org/officeDocument/2006/relationships" xmlns:p="http://schemas.openxmlformats.org/presentationml/2006/main">
+  <p:cSld>
+    <p:spTree>
+      <p:nvGrpSpPr>
+        <p:cNvPr id="1" name=""/>
+        <p:cNvGrpSpPr/>
+        <p:nvPr/>
+      </p:nvGrpSpPr>
+      <p:grpSpPr>
+        <a:xfrm>
+          <a:off x="0" y="0"/>
+          <a:ext cx="0" cy="0"/>
+          <a:chOff x="0" y="0"/>
+          <a:chExt cx="0" cy="0"/>
+        </a:xfrm>
+      </p:grpSpPr>
+      <p:pic>
+        <p:nvPicPr>
+          <p:cNvPr id="5" name="Picture 4">
+            <a:extLst>
+              <a:ext uri="{FF2B5EF4-FFF2-40B4-BE49-F238E27FC236}">
+                <a16:creationId xmlns:a16="http://schemas.microsoft.com/office/drawing/2014/main" id="{F2BBA188-A24E-44B7-AB05-8332B58269D5}"/>
+              </a:ext>
+            </a:extLst>
+          </p:cNvPr>
+          <p:cNvPicPr>
+            <a:picLocks noChangeAspect="1"/>
+          </p:cNvPicPr>
+          <p:nvPr/>
+        </p:nvPicPr>
+        <p:blipFill>
+          <a:blip r:embed="rId2">
+            <a:extLst>
+              <a:ext uri="{28A0092B-C50C-407E-A947-70E740481C1C}">
+                <a14:useLocalDpi xmlns:a14="http://schemas.microsoft.com/office/drawing/2010/main" val="0"/>
+              </a:ext>
+            </a:extLst>
+          </a:blip>
+          <a:stretch>
+            <a:fillRect/>
+          </a:stretch>
+        </p:blipFill>
+        <p:spPr>
+          <a:xfrm>
+            <a:off x="1329343" y="-1"/>
+            <a:ext cx="9127642" cy="7176977"/>
+          </a:xfrm>
+          <a:prstGeom prst="rect">
+            <a:avLst/>
+          </a:prstGeom>
+        </p:spPr>
+      </p:pic>
+      <p:sp>
+        <p:nvSpPr>
+          <p:cNvPr id="6" name="Rectangle 5">
+            <a:extLst>
+              <a:ext uri="{FF2B5EF4-FFF2-40B4-BE49-F238E27FC236}">
+                <a16:creationId xmlns:a16="http://schemas.microsoft.com/office/drawing/2014/main" id="{CA54C5BB-D4D1-4DB9-A5D2-3DEA0ABBBEB9}"/>
+              </a:ext>
+            </a:extLst>
+          </p:cNvPr>
+          <p:cNvSpPr/>
+          <p:nvPr/>
+        </p:nvSpPr>
+        <p:spPr>
+          <a:xfrm>
+            <a:off x="1116419" y="-1"/>
+            <a:ext cx="5869172" cy="1839434"/>
+          </a:xfrm>
+          <a:prstGeom prst="rect">
+            <a:avLst/>
+          </a:prstGeom>
+          <a:solidFill>
+            <a:schemeClr val="bg1"/>
+          </a:solidFill>
+          <a:ln>
+            <a:noFill/>
+          </a:ln>
+        </p:spPr>
+        <p:style>
+          <a:lnRef idx="2">
+            <a:schemeClr val="accent1">
+              <a:shade val="50000"/>
+            </a:schemeClr>
+          </a:lnRef>
+          <a:fillRef idx="1">
+            <a:schemeClr val="accent1"/>
+          </a:fillRef>
+          <a:effectRef idx="0">
+            <a:schemeClr val="accent1"/>
+          </a:effectRef>
+          <a:fontRef idx="minor">
+            <a:schemeClr val="lt1"/>
+          </a:fontRef>
+        </p:style>
+        <p:txBody>
+          <a:bodyPr rtlCol="0" anchor="ctr"/>
+          <a:lstStyle/>
+          <a:p>
+            <a:pPr algn="ctr"/>
+            <a:endParaRPr lang="en-US"/>
+          </a:p>
+        </p:txBody>
+      </p:sp>
+      <p:sp>
+        <p:nvSpPr>
+          <p:cNvPr id="7" name="Rectangle 6">
+            <a:extLst>
+              <a:ext uri="{FF2B5EF4-FFF2-40B4-BE49-F238E27FC236}">
+                <a16:creationId xmlns:a16="http://schemas.microsoft.com/office/drawing/2014/main" id="{7AE68914-E6BF-4C1E-B67A-6B09D4B74F19}"/>
+              </a:ext>
+            </a:extLst>
+          </p:cNvPr>
+          <p:cNvSpPr/>
+          <p:nvPr/>
+        </p:nvSpPr>
+        <p:spPr>
+          <a:xfrm>
+            <a:off x="6985591" y="0"/>
+            <a:ext cx="3684318" cy="1839434"/>
+          </a:xfrm>
+          <a:prstGeom prst="rect">
+            <a:avLst/>
+          </a:prstGeom>
+          <a:solidFill>
+            <a:schemeClr val="bg1"/>
+          </a:solidFill>
+          <a:ln>
+            <a:noFill/>
+          </a:ln>
+        </p:spPr>
+        <p:style>
+          <a:lnRef idx="2">
+            <a:schemeClr val="accent1">
+              <a:shade val="50000"/>
+            </a:schemeClr>
+          </a:lnRef>
+          <a:fillRef idx="1">
+            <a:schemeClr val="accent1"/>
+          </a:fillRef>
+          <a:effectRef idx="0">
+            <a:schemeClr val="accent1"/>
+          </a:effectRef>
+          <a:fontRef idx="minor">
+            <a:schemeClr val="lt1"/>
+          </a:fontRef>
+        </p:style>
+        <p:txBody>
+          <a:bodyPr rtlCol="0" anchor="ctr"/>
+          <a:lstStyle/>
+          <a:p>
+            <a:pPr algn="ctr"/>
+            <a:endParaRPr lang="en-US"/>
+          </a:p>
+        </p:txBody>
+      </p:sp>
+      <p:sp>
+        <p:nvSpPr>
+          <p:cNvPr id="8" name="Rectangle 7">
+            <a:extLst>
+              <a:ext uri="{FF2B5EF4-FFF2-40B4-BE49-F238E27FC236}">
+                <a16:creationId xmlns:a16="http://schemas.microsoft.com/office/drawing/2014/main" id="{83D2E812-5FA2-4E01-ACB4-F4E1BB4A8A0E}"/>
+              </a:ext>
+            </a:extLst>
+          </p:cNvPr>
+          <p:cNvSpPr/>
+          <p:nvPr/>
+        </p:nvSpPr>
+        <p:spPr>
+          <a:xfrm>
+            <a:off x="1116419" y="2417133"/>
+            <a:ext cx="9553490" cy="2367517"/>
+          </a:xfrm>
+          <a:prstGeom prst="rect">
+            <a:avLst/>
+          </a:prstGeom>
+          <a:solidFill>
+            <a:schemeClr val="bg1"/>
+          </a:solidFill>
+          <a:ln>
+            <a:noFill/>
+          </a:ln>
+        </p:spPr>
+        <p:style>
+          <a:lnRef idx="2">
+            <a:schemeClr val="accent1">
+              <a:shade val="50000"/>
+            </a:schemeClr>
+          </a:lnRef>
+          <a:fillRef idx="1">
+            <a:schemeClr val="accent1"/>
+          </a:fillRef>
+          <a:effectRef idx="0">
+            <a:schemeClr val="accent1"/>
+          </a:effectRef>
+          <a:fontRef idx="minor">
+            <a:schemeClr val="lt1"/>
+          </a:fontRef>
+        </p:style>
+        <p:txBody>
+          <a:bodyPr rtlCol="0" anchor="ctr"/>
+          <a:lstStyle/>
+          <a:p>
+            <a:pPr algn="ctr"/>
+            <a:endParaRPr lang="en-US"/>
+          </a:p>
+        </p:txBody>
+      </p:sp>
+      <p:sp>
+        <p:nvSpPr>
+          <p:cNvPr id="9" name="Rectangle 8">
+            <a:extLst>
+              <a:ext uri="{FF2B5EF4-FFF2-40B4-BE49-F238E27FC236}">
+                <a16:creationId xmlns:a16="http://schemas.microsoft.com/office/drawing/2014/main" id="{3BE77871-DCF6-4F05-A780-ABFEECB18653}"/>
+              </a:ext>
+            </a:extLst>
+          </p:cNvPr>
+          <p:cNvSpPr/>
+          <p:nvPr/>
+        </p:nvSpPr>
+        <p:spPr>
+          <a:xfrm>
+            <a:off x="1116419" y="4784650"/>
+            <a:ext cx="9746238" cy="2367517"/>
+          </a:xfrm>
+          <a:prstGeom prst="rect">
+            <a:avLst/>
+          </a:prstGeom>
+          <a:solidFill>
+            <a:schemeClr val="bg1"/>
+          </a:solidFill>
+          <a:ln>
+            <a:noFill/>
+          </a:ln>
+        </p:spPr>
+        <p:style>
+          <a:lnRef idx="2">
+            <a:schemeClr val="accent1">
+              <a:shade val="50000"/>
+            </a:schemeClr>
+          </a:lnRef>
+          <a:fillRef idx="1">
+            <a:schemeClr val="accent1"/>
+          </a:fillRef>
+          <a:effectRef idx="0">
+            <a:schemeClr val="accent1"/>
+          </a:effectRef>
+          <a:fontRef idx="minor">
+            <a:schemeClr val="lt1"/>
+          </a:fontRef>
+        </p:style>
+        <p:txBody>
+          <a:bodyPr rtlCol="0" anchor="ctr"/>
+          <a:lstStyle/>
+          <a:p>
+            <a:pPr algn="ctr"/>
+            <a:endParaRPr lang="en-US"/>
+          </a:p>
+        </p:txBody>
+      </p:sp>
+    </p:spTree>
+    <p:extLst>
+      <p:ext uri="{BB962C8B-B14F-4D97-AF65-F5344CB8AC3E}">
+        <p14:creationId xmlns:p14="http://schemas.microsoft.com/office/powerpoint/2010/main" val="240935981"/>
+      </p:ext>
+    </p:extLst>
+  </p:cSld>
+  <p:clrMapOvr>
+    <a:masterClrMapping/>
+  </p:clrMapOvr>
 </p:sld>
 </file>
 
@@ -5470,62 +6386,12 @@
           <a:chExt cx="0" cy="0"/>
         </a:xfrm>
       </p:grpSpPr>
-      <p:sp>
-        <p:nvSpPr>
-          <p:cNvPr id="2" name="Title 1">
-            <a:extLst>
-              <a:ext uri="{FF2B5EF4-FFF2-40B4-BE49-F238E27FC236}">
-                <a16:creationId xmlns:a16="http://schemas.microsoft.com/office/drawing/2014/main" id="{72A3EFE2-6AAA-46BB-8428-8E8F8FF1182F}"/>
-              </a:ext>
-            </a:extLst>
-          </p:cNvPr>
-          <p:cNvSpPr>
-            <a:spLocks noGrp="1"/>
-          </p:cNvSpPr>
-          <p:nvPr>
-            <p:ph type="title"/>
-          </p:nvPr>
-        </p:nvSpPr>
-        <p:spPr/>
-        <p:txBody>
-          <a:bodyPr/>
-          <a:lstStyle/>
-          <a:p>
-            <a:endParaRPr lang="en-US" dirty="0"/>
-          </a:p>
-        </p:txBody>
-      </p:sp>
-      <p:sp>
-        <p:nvSpPr>
-          <p:cNvPr id="3" name="Content Placeholder 2">
-            <a:extLst>
-              <a:ext uri="{FF2B5EF4-FFF2-40B4-BE49-F238E27FC236}">
-                <a16:creationId xmlns:a16="http://schemas.microsoft.com/office/drawing/2014/main" id="{A23AC890-74C8-400C-871F-6596B20EEFBA}"/>
-              </a:ext>
-            </a:extLst>
-          </p:cNvPr>
-          <p:cNvSpPr>
-            <a:spLocks noGrp="1"/>
-          </p:cNvSpPr>
-          <p:nvPr>
-            <p:ph idx="1"/>
-          </p:nvPr>
-        </p:nvSpPr>
-        <p:spPr/>
-        <p:txBody>
-          <a:bodyPr/>
-          <a:lstStyle/>
-          <a:p>
-            <a:endParaRPr lang="en-US"/>
-          </a:p>
-        </p:txBody>
-      </p:sp>
       <p:pic>
         <p:nvPicPr>
-          <p:cNvPr id="4" name="Picture 3">
-            <a:extLst>
-              <a:ext uri="{FF2B5EF4-FFF2-40B4-BE49-F238E27FC236}">
-                <a16:creationId xmlns:a16="http://schemas.microsoft.com/office/drawing/2014/main" id="{ABF8B55F-A570-4873-97D9-6BE7901E4DF4}"/>
+          <p:cNvPr id="5" name="Picture 4">
+            <a:extLst>
+              <a:ext uri="{FF2B5EF4-FFF2-40B4-BE49-F238E27FC236}">
+                <a16:creationId xmlns:a16="http://schemas.microsoft.com/office/drawing/2014/main" id="{F2BBA188-A24E-44B7-AB05-8332B58269D5}"/>
               </a:ext>
             </a:extLst>
           </p:cNvPr>
@@ -5535,25 +6401,187 @@
           <p:nvPr/>
         </p:nvPicPr>
         <p:blipFill>
-          <a:blip r:embed="rId2"/>
+          <a:blip r:embed="rId2">
+            <a:extLst>
+              <a:ext uri="{28A0092B-C50C-407E-A947-70E740481C1C}">
+                <a14:useLocalDpi xmlns:a14="http://schemas.microsoft.com/office/drawing/2010/main" val="0"/>
+              </a:ext>
+            </a:extLst>
+          </a:blip>
           <a:stretch>
             <a:fillRect/>
           </a:stretch>
         </p:blipFill>
         <p:spPr>
           <a:xfrm>
-            <a:off x="238125" y="0"/>
-            <a:ext cx="11715750" cy="6858000"/>
+            <a:off x="1329343" y="-1"/>
+            <a:ext cx="9127642" cy="7176977"/>
           </a:xfrm>
           <a:prstGeom prst="rect">
             <a:avLst/>
           </a:prstGeom>
         </p:spPr>
       </p:pic>
+      <p:sp>
+        <p:nvSpPr>
+          <p:cNvPr id="6" name="Rectangle 5">
+            <a:extLst>
+              <a:ext uri="{FF2B5EF4-FFF2-40B4-BE49-F238E27FC236}">
+                <a16:creationId xmlns:a16="http://schemas.microsoft.com/office/drawing/2014/main" id="{CA54C5BB-D4D1-4DB9-A5D2-3DEA0ABBBEB9}"/>
+              </a:ext>
+            </a:extLst>
+          </p:cNvPr>
+          <p:cNvSpPr/>
+          <p:nvPr/>
+        </p:nvSpPr>
+        <p:spPr>
+          <a:xfrm>
+            <a:off x="1116419" y="-1"/>
+            <a:ext cx="5869172" cy="1839434"/>
+          </a:xfrm>
+          <a:prstGeom prst="rect">
+            <a:avLst/>
+          </a:prstGeom>
+          <a:solidFill>
+            <a:schemeClr val="bg1"/>
+          </a:solidFill>
+          <a:ln>
+            <a:noFill/>
+          </a:ln>
+        </p:spPr>
+        <p:style>
+          <a:lnRef idx="2">
+            <a:schemeClr val="accent1">
+              <a:shade val="50000"/>
+            </a:schemeClr>
+          </a:lnRef>
+          <a:fillRef idx="1">
+            <a:schemeClr val="accent1"/>
+          </a:fillRef>
+          <a:effectRef idx="0">
+            <a:schemeClr val="accent1"/>
+          </a:effectRef>
+          <a:fontRef idx="minor">
+            <a:schemeClr val="lt1"/>
+          </a:fontRef>
+        </p:style>
+        <p:txBody>
+          <a:bodyPr rtlCol="0" anchor="ctr"/>
+          <a:lstStyle/>
+          <a:p>
+            <a:pPr algn="ctr"/>
+            <a:endParaRPr lang="en-US"/>
+          </a:p>
+        </p:txBody>
+      </p:sp>
+      <p:sp>
+        <p:nvSpPr>
+          <p:cNvPr id="8" name="Rectangle 7">
+            <a:extLst>
+              <a:ext uri="{FF2B5EF4-FFF2-40B4-BE49-F238E27FC236}">
+                <a16:creationId xmlns:a16="http://schemas.microsoft.com/office/drawing/2014/main" id="{83D2E812-5FA2-4E01-ACB4-F4E1BB4A8A0E}"/>
+              </a:ext>
+            </a:extLst>
+          </p:cNvPr>
+          <p:cNvSpPr/>
+          <p:nvPr/>
+        </p:nvSpPr>
+        <p:spPr>
+          <a:xfrm>
+            <a:off x="1116419" y="2417133"/>
+            <a:ext cx="9553490" cy="2367517"/>
+          </a:xfrm>
+          <a:prstGeom prst="rect">
+            <a:avLst/>
+          </a:prstGeom>
+          <a:solidFill>
+            <a:schemeClr val="bg1"/>
+          </a:solidFill>
+          <a:ln>
+            <a:noFill/>
+          </a:ln>
+        </p:spPr>
+        <p:style>
+          <a:lnRef idx="2">
+            <a:schemeClr val="accent1">
+              <a:shade val="50000"/>
+            </a:schemeClr>
+          </a:lnRef>
+          <a:fillRef idx="1">
+            <a:schemeClr val="accent1"/>
+          </a:fillRef>
+          <a:effectRef idx="0">
+            <a:schemeClr val="accent1"/>
+          </a:effectRef>
+          <a:fontRef idx="minor">
+            <a:schemeClr val="lt1"/>
+          </a:fontRef>
+        </p:style>
+        <p:txBody>
+          <a:bodyPr rtlCol="0" anchor="ctr"/>
+          <a:lstStyle/>
+          <a:p>
+            <a:pPr algn="ctr"/>
+            <a:endParaRPr lang="en-US"/>
+          </a:p>
+        </p:txBody>
+      </p:sp>
+      <p:sp>
+        <p:nvSpPr>
+          <p:cNvPr id="9" name="Rectangle 8">
+            <a:extLst>
+              <a:ext uri="{FF2B5EF4-FFF2-40B4-BE49-F238E27FC236}">
+                <a16:creationId xmlns:a16="http://schemas.microsoft.com/office/drawing/2014/main" id="{3BE77871-DCF6-4F05-A780-ABFEECB18653}"/>
+              </a:ext>
+            </a:extLst>
+          </p:cNvPr>
+          <p:cNvSpPr/>
+          <p:nvPr/>
+        </p:nvSpPr>
+        <p:spPr>
+          <a:xfrm>
+            <a:off x="1116419" y="4784650"/>
+            <a:ext cx="9746238" cy="2367517"/>
+          </a:xfrm>
+          <a:prstGeom prst="rect">
+            <a:avLst/>
+          </a:prstGeom>
+          <a:solidFill>
+            <a:schemeClr val="bg1"/>
+          </a:solidFill>
+          <a:ln>
+            <a:noFill/>
+          </a:ln>
+        </p:spPr>
+        <p:style>
+          <a:lnRef idx="2">
+            <a:schemeClr val="accent1">
+              <a:shade val="50000"/>
+            </a:schemeClr>
+          </a:lnRef>
+          <a:fillRef idx="1">
+            <a:schemeClr val="accent1"/>
+          </a:fillRef>
+          <a:effectRef idx="0">
+            <a:schemeClr val="accent1"/>
+          </a:effectRef>
+          <a:fontRef idx="minor">
+            <a:schemeClr val="lt1"/>
+          </a:fontRef>
+        </p:style>
+        <p:txBody>
+          <a:bodyPr rtlCol="0" anchor="ctr"/>
+          <a:lstStyle/>
+          <a:p>
+            <a:pPr algn="ctr"/>
+            <a:endParaRPr lang="en-US"/>
+          </a:p>
+        </p:txBody>
+      </p:sp>
     </p:spTree>
     <p:extLst>
       <p:ext uri="{BB962C8B-B14F-4D97-AF65-F5344CB8AC3E}">
-        <p14:creationId xmlns:p14="http://schemas.microsoft.com/office/powerpoint/2010/main" val="813733771"/>
+        <p14:creationId xmlns:p14="http://schemas.microsoft.com/office/powerpoint/2010/main" val="3618428698"/>
       </p:ext>
     </p:extLst>
   </p:cSld>
@@ -5582,10 +6610,10 @@
       </p:grpSpPr>
       <p:pic>
         <p:nvPicPr>
-          <p:cNvPr id="9" name="Picture 8">
-            <a:extLst>
-              <a:ext uri="{FF2B5EF4-FFF2-40B4-BE49-F238E27FC236}">
-                <a16:creationId xmlns:a16="http://schemas.microsoft.com/office/drawing/2014/main" id="{E96E6F1E-E547-46BF-82C3-6A0FEDC42F91}"/>
+          <p:cNvPr id="5" name="Picture 4">
+            <a:extLst>
+              <a:ext uri="{FF2B5EF4-FFF2-40B4-BE49-F238E27FC236}">
+                <a16:creationId xmlns:a16="http://schemas.microsoft.com/office/drawing/2014/main" id="{F2BBA188-A24E-44B7-AB05-8332B58269D5}"/>
               </a:ext>
             </a:extLst>
           </p:cNvPr>
@@ -5595,15 +6623,21 @@
           <p:nvPr/>
         </p:nvPicPr>
         <p:blipFill>
-          <a:blip r:embed="rId2"/>
+          <a:blip r:embed="rId2">
+            <a:extLst>
+              <a:ext uri="{28A0092B-C50C-407E-A947-70E740481C1C}">
+                <a14:useLocalDpi xmlns:a14="http://schemas.microsoft.com/office/drawing/2010/main" val="0"/>
+              </a:ext>
+            </a:extLst>
+          </a:blip>
           <a:stretch>
             <a:fillRect/>
           </a:stretch>
         </p:blipFill>
         <p:spPr>
           <a:xfrm>
-            <a:off x="354285" y="280617"/>
-            <a:ext cx="8757603" cy="6103361"/>
+            <a:off x="1329343" y="-1"/>
+            <a:ext cx="9127642" cy="7176977"/>
           </a:xfrm>
           <a:prstGeom prst="rect">
             <a:avLst/>
@@ -5612,230 +6646,29 @@
       </p:pic>
       <p:sp>
         <p:nvSpPr>
-          <p:cNvPr id="10" name="TextBox 9">
-            <a:extLst>
-              <a:ext uri="{FF2B5EF4-FFF2-40B4-BE49-F238E27FC236}">
-                <a16:creationId xmlns:a16="http://schemas.microsoft.com/office/drawing/2014/main" id="{E2D1A280-FF48-433D-9699-FE7844530765}"/>
-              </a:ext>
-            </a:extLst>
-          </p:cNvPr>
-          <p:cNvSpPr txBox="1"/>
+          <p:cNvPr id="6" name="Rectangle 5">
+            <a:extLst>
+              <a:ext uri="{FF2B5EF4-FFF2-40B4-BE49-F238E27FC236}">
+                <a16:creationId xmlns:a16="http://schemas.microsoft.com/office/drawing/2014/main" id="{CA54C5BB-D4D1-4DB9-A5D2-3DEA0ABBBEB9}"/>
+              </a:ext>
+            </a:extLst>
+          </p:cNvPr>
+          <p:cNvSpPr/>
           <p:nvPr/>
         </p:nvSpPr>
         <p:spPr>
           <a:xfrm>
-            <a:off x="9163269" y="995434"/>
-            <a:ext cx="2644827" cy="3231654"/>
+            <a:off x="1116419" y="-1"/>
+            <a:ext cx="5869172" cy="1839434"/>
           </a:xfrm>
           <a:prstGeom prst="rect">
             <a:avLst/>
           </a:prstGeom>
-          <a:noFill/>
-        </p:spPr>
-        <p:txBody>
-          <a:bodyPr wrap="none" rtlCol="0">
-            <a:spAutoFit/>
-          </a:bodyPr>
-          <a:lstStyle/>
-          <a:p>
-            <a:pPr>
-              <a:lnSpc>
-                <a:spcPct val="150000"/>
-              </a:lnSpc>
-            </a:pPr>
-            <a:r>
-              <a:rPr lang="en-AU" sz="2400" dirty="0">
-                <a:solidFill>
-                  <a:schemeClr val="tx1">
-                    <a:lumMod val="95000"/>
-                    <a:lumOff val="5000"/>
-                  </a:schemeClr>
-                </a:solidFill>
-                <a:latin typeface="Fira Sans Medium" panose="020B0603050000020004" pitchFamily="34" charset="0"/>
-                <a:ea typeface="Fira Sans Medium" panose="020B0603050000020004" pitchFamily="34" charset="0"/>
-              </a:rPr>
-              <a:t>Need-to-know</a:t>
-            </a:r>
-          </a:p>
-          <a:p>
-            <a:pPr>
-              <a:lnSpc>
-                <a:spcPct val="150000"/>
-              </a:lnSpc>
-            </a:pPr>
-            <a:r>
-              <a:rPr lang="en-AU" sz="1600" dirty="0">
-                <a:solidFill>
-                  <a:schemeClr val="tx1">
-                    <a:lumMod val="95000"/>
-                    <a:lumOff val="5000"/>
-                  </a:schemeClr>
-                </a:solidFill>
-                <a:latin typeface="Segoe UI" panose="020B0502040204020203" pitchFamily="34" charset="0"/>
-                <a:ea typeface="Fira Sans Medium" panose="020B0603050000020004" pitchFamily="34" charset="0"/>
-                <a:cs typeface="Segoe UI" panose="020B0502040204020203" pitchFamily="34" charset="0"/>
-              </a:rPr>
-              <a:t>OSS/Apache 2.0 License</a:t>
-            </a:r>
-          </a:p>
-          <a:p>
-            <a:pPr>
-              <a:lnSpc>
-                <a:spcPct val="150000"/>
-              </a:lnSpc>
-            </a:pPr>
-            <a:r>
-              <a:rPr lang="en-AU" sz="1600" dirty="0">
-                <a:solidFill>
-                  <a:schemeClr val="tx1">
-                    <a:lumMod val="95000"/>
-                    <a:lumOff val="5000"/>
-                  </a:schemeClr>
-                </a:solidFill>
-                <a:latin typeface="Segoe UI" panose="020B0502040204020203" pitchFamily="34" charset="0"/>
-                <a:ea typeface="Fira Sans Medium" panose="020B0603050000020004" pitchFamily="34" charset="0"/>
-                <a:cs typeface="Segoe UI" panose="020B0502040204020203" pitchFamily="34" charset="0"/>
-              </a:rPr>
-              <a:t>.NET Framework &amp; Core</a:t>
-            </a:r>
-          </a:p>
-          <a:p>
-            <a:pPr>
-              <a:lnSpc>
-                <a:spcPct val="150000"/>
-              </a:lnSpc>
-            </a:pPr>
-            <a:r>
-              <a:rPr lang="en-AU" sz="1600" dirty="0">
-                <a:solidFill>
-                  <a:schemeClr val="tx1">
-                    <a:lumMod val="95000"/>
-                    <a:lumOff val="5000"/>
-                  </a:schemeClr>
-                </a:solidFill>
-                <a:latin typeface="Segoe UI" panose="020B0502040204020203" pitchFamily="34" charset="0"/>
-                <a:ea typeface="Fira Sans Medium" panose="020B0603050000020004" pitchFamily="34" charset="0"/>
-                <a:cs typeface="Segoe UI" panose="020B0502040204020203" pitchFamily="34" charset="0"/>
-              </a:rPr>
-              <a:t>4 years active development</a:t>
-            </a:r>
-          </a:p>
-          <a:p>
-            <a:pPr>
-              <a:lnSpc>
-                <a:spcPct val="150000"/>
-              </a:lnSpc>
-            </a:pPr>
-            <a:r>
-              <a:rPr lang="en-AU" sz="1600" dirty="0">
-                <a:solidFill>
-                  <a:schemeClr val="tx1">
-                    <a:lumMod val="95000"/>
-                    <a:lumOff val="5000"/>
-                  </a:schemeClr>
-                </a:solidFill>
-                <a:latin typeface="Segoe UI" panose="020B0502040204020203" pitchFamily="34" charset="0"/>
-                <a:ea typeface="Fira Sans Medium" panose="020B0603050000020004" pitchFamily="34" charset="0"/>
-                <a:cs typeface="Segoe UI" panose="020B0502040204020203" pitchFamily="34" charset="0"/>
-              </a:rPr>
-              <a:t>2.5M+ package downloads</a:t>
-            </a:r>
-          </a:p>
-          <a:p>
-            <a:pPr>
-              <a:lnSpc>
-                <a:spcPct val="150000"/>
-              </a:lnSpc>
-            </a:pPr>
-            <a:r>
-              <a:rPr lang="en-AU" sz="1600" dirty="0">
-                <a:solidFill>
-                  <a:schemeClr val="tx1">
-                    <a:lumMod val="95000"/>
-                    <a:lumOff val="5000"/>
-                  </a:schemeClr>
-                </a:solidFill>
-                <a:latin typeface="Segoe UI" panose="020B0502040204020203" pitchFamily="34" charset="0"/>
-                <a:ea typeface="Fira Sans Medium" panose="020B0603050000020004" pitchFamily="34" charset="0"/>
-                <a:cs typeface="Segoe UI" panose="020B0502040204020203" pitchFamily="34" charset="0"/>
-              </a:rPr>
-              <a:t>80+ contributors</a:t>
-            </a:r>
-          </a:p>
-          <a:p>
-            <a:pPr>
-              <a:lnSpc>
-                <a:spcPct val="150000"/>
-              </a:lnSpc>
-            </a:pPr>
-            <a:r>
-              <a:rPr lang="en-AU" sz="1600" dirty="0">
-                <a:solidFill>
-                  <a:schemeClr val="tx1">
-                    <a:lumMod val="95000"/>
-                    <a:lumOff val="5000"/>
-                  </a:schemeClr>
-                </a:solidFill>
-                <a:latin typeface="Segoe UI" panose="020B0502040204020203" pitchFamily="34" charset="0"/>
-                <a:ea typeface="Fira Sans Medium" panose="020B0603050000020004" pitchFamily="34" charset="0"/>
-                <a:cs typeface="Segoe UI" panose="020B0502040204020203" pitchFamily="34" charset="0"/>
-              </a:rPr>
-              <a:t>100+ sinks</a:t>
-            </a:r>
-          </a:p>
-          <a:p>
-            <a:pPr>
-              <a:lnSpc>
-                <a:spcPct val="150000"/>
-              </a:lnSpc>
-            </a:pPr>
-            <a:r>
-              <a:rPr lang="en-AU" sz="1600" dirty="0">
-                <a:solidFill>
-                  <a:schemeClr val="tx1">
-                    <a:lumMod val="95000"/>
-                    <a:lumOff val="5000"/>
-                  </a:schemeClr>
-                </a:solidFill>
-                <a:latin typeface="Segoe UI" panose="020B0502040204020203" pitchFamily="34" charset="0"/>
-                <a:ea typeface="Fira Sans Medium" panose="020B0603050000020004" pitchFamily="34" charset="0"/>
-                <a:cs typeface="Segoe UI" panose="020B0502040204020203" pitchFamily="34" charset="0"/>
-              </a:rPr>
-              <a:t>Made with</a:t>
-            </a:r>
-          </a:p>
-        </p:txBody>
-      </p:sp>
-      <p:sp>
-        <p:nvSpPr>
-          <p:cNvPr id="11" name="Heart 10">
-            <a:extLst>
-              <a:ext uri="{FF2B5EF4-FFF2-40B4-BE49-F238E27FC236}">
-                <a16:creationId xmlns:a16="http://schemas.microsoft.com/office/drawing/2014/main" id="{B35B55C1-879A-43B1-84C4-D88B70D7D5DD}"/>
-              </a:ext>
-            </a:extLst>
-          </p:cNvPr>
-          <p:cNvSpPr/>
-          <p:nvPr/>
-        </p:nvSpPr>
-        <p:spPr>
-          <a:xfrm>
-            <a:off x="10264460" y="3908737"/>
-            <a:ext cx="173866" cy="167426"/>
-          </a:xfrm>
-          <a:prstGeom prst="heart">
-            <a:avLst/>
-          </a:prstGeom>
           <a:solidFill>
-            <a:srgbClr val="FF2518"/>
+            <a:schemeClr val="bg1"/>
           </a:solidFill>
           <a:ln>
-            <a:solidFill>
-              <a:schemeClr val="tx1">
-                <a:lumMod val="95000"/>
-                <a:lumOff val="5000"/>
-              </a:schemeClr>
-            </a:solidFill>
+            <a:noFill/>
           </a:ln>
         </p:spPr>
         <p:style>
@@ -5859,101 +6692,346 @@
           <a:lstStyle/>
           <a:p>
             <a:pPr algn="ctr"/>
-            <a:endParaRPr lang="en-AU"/>
-          </a:p>
-        </p:txBody>
-      </p:sp>
-      <p:cxnSp>
-        <p:nvCxnSpPr>
-          <p:cNvPr id="12" name="Straight Connector 11">
-            <a:extLst>
-              <a:ext uri="{FF2B5EF4-FFF2-40B4-BE49-F238E27FC236}">
-                <a16:creationId xmlns:a16="http://schemas.microsoft.com/office/drawing/2014/main" id="{50310111-6475-4CA7-A6D0-6ECA4AF0EA9B}"/>
-              </a:ext>
-            </a:extLst>
-          </p:cNvPr>
-          <p:cNvCxnSpPr/>
+            <a:endParaRPr lang="en-US"/>
+          </a:p>
+        </p:txBody>
+      </p:sp>
+      <p:sp>
+        <p:nvSpPr>
+          <p:cNvPr id="9" name="Rectangle 8">
+            <a:extLst>
+              <a:ext uri="{FF2B5EF4-FFF2-40B4-BE49-F238E27FC236}">
+                <a16:creationId xmlns:a16="http://schemas.microsoft.com/office/drawing/2014/main" id="{3BE77871-DCF6-4F05-A780-ABFEECB18653}"/>
+              </a:ext>
+            </a:extLst>
+          </p:cNvPr>
+          <p:cNvSpPr/>
           <p:nvPr/>
-        </p:nvCxnSpPr>
+        </p:nvSpPr>
         <p:spPr>
-          <a:xfrm flipV="1">
-            <a:off x="9163269" y="2852670"/>
-            <a:ext cx="637554" cy="90153"/>
+          <a:xfrm>
+            <a:off x="1116419" y="4784650"/>
+            <a:ext cx="9746238" cy="2367517"/>
           </a:xfrm>
-          <a:prstGeom prst="line">
+          <a:prstGeom prst="rect">
             <a:avLst/>
           </a:prstGeom>
-          <a:ln w="38100">
-            <a:solidFill>
-              <a:srgbClr val="FF2518"/>
-            </a:solidFill>
+          <a:solidFill>
+            <a:schemeClr val="bg1"/>
+          </a:solidFill>
+          <a:ln>
+            <a:noFill/>
           </a:ln>
         </p:spPr>
         <p:style>
-          <a:lnRef idx="1">
-            <a:schemeClr val="accent1"/>
+          <a:lnRef idx="2">
+            <a:schemeClr val="accent1">
+              <a:shade val="50000"/>
+            </a:schemeClr>
           </a:lnRef>
-          <a:fillRef idx="0">
+          <a:fillRef idx="1">
             <a:schemeClr val="accent1"/>
           </a:fillRef>
           <a:effectRef idx="0">
             <a:schemeClr val="accent1"/>
           </a:effectRef>
           <a:fontRef idx="minor">
-            <a:schemeClr val="tx1"/>
+            <a:schemeClr val="lt1"/>
           </a:fontRef>
         </p:style>
-      </p:cxnSp>
-      <p:sp>
-        <p:nvSpPr>
-          <p:cNvPr id="13" name="TextBox 12">
-            <a:extLst>
-              <a:ext uri="{FF2B5EF4-FFF2-40B4-BE49-F238E27FC236}">
-                <a16:creationId xmlns:a16="http://schemas.microsoft.com/office/drawing/2014/main" id="{18E497BF-3FAA-4D35-8A8D-0719FBF8B0FD}"/>
-              </a:ext>
-            </a:extLst>
-          </p:cNvPr>
-          <p:cNvSpPr txBox="1"/>
+        <p:txBody>
+          <a:bodyPr rtlCol="0" anchor="ctr"/>
+          <a:lstStyle/>
+          <a:p>
+            <a:pPr algn="ctr"/>
+            <a:endParaRPr lang="en-US"/>
+          </a:p>
+        </p:txBody>
+      </p:sp>
+    </p:spTree>
+    <p:extLst>
+      <p:ext uri="{BB962C8B-B14F-4D97-AF65-F5344CB8AC3E}">
+        <p14:creationId xmlns:p14="http://schemas.microsoft.com/office/powerpoint/2010/main" val="272913956"/>
+      </p:ext>
+    </p:extLst>
+  </p:cSld>
+  <p:clrMapOvr>
+    <a:masterClrMapping/>
+  </p:clrMapOvr>
+</p:sld>
+</file>
+
+<file path=ppt/slides/slide8.xml><?xml version="1.0" encoding="utf-8"?>
+<p:sld xmlns:a="http://schemas.openxmlformats.org/drawingml/2006/main" xmlns:r="http://schemas.openxmlformats.org/officeDocument/2006/relationships" xmlns:p="http://schemas.openxmlformats.org/presentationml/2006/main">
+  <p:cSld>
+    <p:spTree>
+      <p:nvGrpSpPr>
+        <p:cNvPr id="1" name=""/>
+        <p:cNvGrpSpPr/>
+        <p:nvPr/>
+      </p:nvGrpSpPr>
+      <p:grpSpPr>
+        <a:xfrm>
+          <a:off x="0" y="0"/>
+          <a:ext cx="0" cy="0"/>
+          <a:chOff x="0" y="0"/>
+          <a:chExt cx="0" cy="0"/>
+        </a:xfrm>
+      </p:grpSpPr>
+      <p:pic>
+        <p:nvPicPr>
+          <p:cNvPr id="5" name="Picture 4">
+            <a:extLst>
+              <a:ext uri="{FF2B5EF4-FFF2-40B4-BE49-F238E27FC236}">
+                <a16:creationId xmlns:a16="http://schemas.microsoft.com/office/drawing/2014/main" id="{F2BBA188-A24E-44B7-AB05-8332B58269D5}"/>
+              </a:ext>
+            </a:extLst>
+          </p:cNvPr>
+          <p:cNvPicPr>
+            <a:picLocks noChangeAspect="1"/>
+          </p:cNvPicPr>
           <p:nvPr/>
-        </p:nvSpPr>
+        </p:nvPicPr>
+        <p:blipFill>
+          <a:blip r:embed="rId2">
+            <a:extLst>
+              <a:ext uri="{28A0092B-C50C-407E-A947-70E740481C1C}">
+                <a14:useLocalDpi xmlns:a14="http://schemas.microsoft.com/office/drawing/2010/main" val="0"/>
+              </a:ext>
+            </a:extLst>
+          </a:blip>
+          <a:stretch>
+            <a:fillRect/>
+          </a:stretch>
+        </p:blipFill>
         <p:spPr>
-          <a:xfrm rot="444628">
-            <a:off x="10941787" y="3007436"/>
-            <a:ext cx="1027845" cy="400110"/>
+          <a:xfrm>
+            <a:off x="1329343" y="-1"/>
+            <a:ext cx="9127642" cy="7176977"/>
           </a:xfrm>
           <a:prstGeom prst="rect">
             <a:avLst/>
           </a:prstGeom>
-          <a:noFill/>
         </p:spPr>
-        <p:txBody>
-          <a:bodyPr wrap="none" rtlCol="0">
-            <a:spAutoFit/>
-          </a:bodyPr>
-          <a:lstStyle/>
-          <a:p>
-            <a:r>
-              <a:rPr lang="en-AU" sz="2000" dirty="0">
-                <a:solidFill>
-                  <a:srgbClr val="FF2518"/>
-                </a:solidFill>
-                <a:latin typeface="Segoe Script" panose="030B0504020000000003" pitchFamily="66" charset="0"/>
-              </a:rPr>
-              <a:t>6.7M+</a:t>
-            </a:r>
-            <a:endParaRPr lang="en-AU" sz="1600" dirty="0">
-              <a:solidFill>
-                <a:srgbClr val="FF2518"/>
-              </a:solidFill>
-              <a:latin typeface="Segoe Script" panose="030B0504020000000003" pitchFamily="66" charset="0"/>
-            </a:endParaRPr>
+      </p:pic>
+      <p:sp>
+        <p:nvSpPr>
+          <p:cNvPr id="6" name="Rectangle 5">
+            <a:extLst>
+              <a:ext uri="{FF2B5EF4-FFF2-40B4-BE49-F238E27FC236}">
+                <a16:creationId xmlns:a16="http://schemas.microsoft.com/office/drawing/2014/main" id="{CA54C5BB-D4D1-4DB9-A5D2-3DEA0ABBBEB9}"/>
+              </a:ext>
+            </a:extLst>
+          </p:cNvPr>
+          <p:cNvSpPr/>
+          <p:nvPr/>
+        </p:nvSpPr>
+        <p:spPr>
+          <a:xfrm>
+            <a:off x="1116419" y="-1"/>
+            <a:ext cx="5869172" cy="1839434"/>
+          </a:xfrm>
+          <a:prstGeom prst="rect">
+            <a:avLst/>
+          </a:prstGeom>
+          <a:solidFill>
+            <a:schemeClr val="bg1"/>
+          </a:solidFill>
+          <a:ln>
+            <a:noFill/>
+          </a:ln>
+        </p:spPr>
+        <p:style>
+          <a:lnRef idx="2">
+            <a:schemeClr val="accent1">
+              <a:shade val="50000"/>
+            </a:schemeClr>
+          </a:lnRef>
+          <a:fillRef idx="1">
+            <a:schemeClr val="accent1"/>
+          </a:fillRef>
+          <a:effectRef idx="0">
+            <a:schemeClr val="accent1"/>
+          </a:effectRef>
+          <a:fontRef idx="minor">
+            <a:schemeClr val="lt1"/>
+          </a:fontRef>
+        </p:style>
+        <p:txBody>
+          <a:bodyPr rtlCol="0" anchor="ctr"/>
+          <a:lstStyle/>
+          <a:p>
+            <a:pPr algn="ctr"/>
+            <a:endParaRPr lang="en-US"/>
           </a:p>
         </p:txBody>
       </p:sp>
     </p:spTree>
     <p:extLst>
       <p:ext uri="{BB962C8B-B14F-4D97-AF65-F5344CB8AC3E}">
-        <p14:creationId xmlns:p14="http://schemas.microsoft.com/office/powerpoint/2010/main" val="2536912572"/>
+        <p14:creationId xmlns:p14="http://schemas.microsoft.com/office/powerpoint/2010/main" val="3685930336"/>
+      </p:ext>
+    </p:extLst>
+  </p:cSld>
+  <p:clrMapOvr>
+    <a:masterClrMapping/>
+  </p:clrMapOvr>
+</p:sld>
+</file>
+
+<file path=ppt/slides/slide9.xml><?xml version="1.0" encoding="utf-8"?>
+<p:sld xmlns:a="http://schemas.openxmlformats.org/drawingml/2006/main" xmlns:r="http://schemas.openxmlformats.org/officeDocument/2006/relationships" xmlns:p="http://schemas.openxmlformats.org/presentationml/2006/main">
+  <p:cSld>
+    <p:spTree>
+      <p:nvGrpSpPr>
+        <p:cNvPr id="1" name=""/>
+        <p:cNvGrpSpPr/>
+        <p:nvPr/>
+      </p:nvGrpSpPr>
+      <p:grpSpPr>
+        <a:xfrm>
+          <a:off x="0" y="0"/>
+          <a:ext cx="0" cy="0"/>
+          <a:chOff x="0" y="0"/>
+          <a:chExt cx="0" cy="0"/>
+        </a:xfrm>
+      </p:grpSpPr>
+      <p:sp>
+        <p:nvSpPr>
+          <p:cNvPr id="2" name="Title 1">
+            <a:extLst>
+              <a:ext uri="{FF2B5EF4-FFF2-40B4-BE49-F238E27FC236}">
+                <a16:creationId xmlns:a16="http://schemas.microsoft.com/office/drawing/2014/main" id="{72A3EFE2-6AAA-46BB-8428-8E8F8FF1182F}"/>
+              </a:ext>
+            </a:extLst>
+          </p:cNvPr>
+          <p:cNvSpPr>
+            <a:spLocks noGrp="1"/>
+          </p:cNvSpPr>
+          <p:nvPr>
+            <p:ph type="title"/>
+          </p:nvPr>
+        </p:nvSpPr>
+        <p:spPr/>
+        <p:txBody>
+          <a:bodyPr/>
+          <a:lstStyle/>
+          <a:p>
+            <a:endParaRPr lang="en-US" dirty="0"/>
+          </a:p>
+        </p:txBody>
+      </p:sp>
+      <p:sp>
+        <p:nvSpPr>
+          <p:cNvPr id="3" name="Content Placeholder 2">
+            <a:extLst>
+              <a:ext uri="{FF2B5EF4-FFF2-40B4-BE49-F238E27FC236}">
+                <a16:creationId xmlns:a16="http://schemas.microsoft.com/office/drawing/2014/main" id="{A23AC890-74C8-400C-871F-6596B20EEFBA}"/>
+              </a:ext>
+            </a:extLst>
+          </p:cNvPr>
+          <p:cNvSpPr>
+            <a:spLocks noGrp="1"/>
+          </p:cNvSpPr>
+          <p:nvPr>
+            <p:ph idx="1"/>
+          </p:nvPr>
+        </p:nvSpPr>
+        <p:spPr/>
+        <p:txBody>
+          <a:bodyPr/>
+          <a:lstStyle/>
+          <a:p>
+            <a:endParaRPr lang="en-US"/>
+          </a:p>
+        </p:txBody>
+      </p:sp>
+      <p:pic>
+        <p:nvPicPr>
+          <p:cNvPr id="4" name="Picture 3">
+            <a:extLst>
+              <a:ext uri="{FF2B5EF4-FFF2-40B4-BE49-F238E27FC236}">
+                <a16:creationId xmlns:a16="http://schemas.microsoft.com/office/drawing/2014/main" id="{ABF8B55F-A570-4873-97D9-6BE7901E4DF4}"/>
+              </a:ext>
+            </a:extLst>
+          </p:cNvPr>
+          <p:cNvPicPr>
+            <a:picLocks noChangeAspect="1"/>
+          </p:cNvPicPr>
+          <p:nvPr/>
+        </p:nvPicPr>
+        <p:blipFill>
+          <a:blip r:embed="rId2"/>
+          <a:stretch>
+            <a:fillRect/>
+          </a:stretch>
+        </p:blipFill>
+        <p:spPr>
+          <a:xfrm>
+            <a:off x="238125" y="0"/>
+            <a:ext cx="11715750" cy="6858000"/>
+          </a:xfrm>
+          <a:prstGeom prst="rect">
+            <a:avLst/>
+          </a:prstGeom>
+        </p:spPr>
+      </p:pic>
+      <p:sp>
+        <p:nvSpPr>
+          <p:cNvPr id="5" name="Rectangle 4">
+            <a:extLst>
+              <a:ext uri="{FF2B5EF4-FFF2-40B4-BE49-F238E27FC236}">
+                <a16:creationId xmlns:a16="http://schemas.microsoft.com/office/drawing/2014/main" id="{808D269E-C89B-421B-BDCB-BD8789009BE1}"/>
+              </a:ext>
+            </a:extLst>
+          </p:cNvPr>
+          <p:cNvSpPr/>
+          <p:nvPr/>
+        </p:nvSpPr>
+        <p:spPr>
+          <a:xfrm>
+            <a:off x="238125" y="2430459"/>
+            <a:ext cx="11594646" cy="4562477"/>
+          </a:xfrm>
+          <a:prstGeom prst="rect">
+            <a:avLst/>
+          </a:prstGeom>
+          <a:solidFill>
+            <a:schemeClr val="bg1"/>
+          </a:solidFill>
+          <a:ln>
+            <a:noFill/>
+          </a:ln>
+        </p:spPr>
+        <p:style>
+          <a:lnRef idx="2">
+            <a:schemeClr val="accent1">
+              <a:shade val="50000"/>
+            </a:schemeClr>
+          </a:lnRef>
+          <a:fillRef idx="1">
+            <a:schemeClr val="accent1"/>
+          </a:fillRef>
+          <a:effectRef idx="0">
+            <a:schemeClr val="accent1"/>
+          </a:effectRef>
+          <a:fontRef idx="minor">
+            <a:schemeClr val="lt1"/>
+          </a:fontRef>
+        </p:style>
+        <p:txBody>
+          <a:bodyPr rtlCol="0" anchor="ctr"/>
+          <a:lstStyle/>
+          <a:p>
+            <a:pPr algn="ctr"/>
+            <a:endParaRPr lang="en-US"/>
+          </a:p>
+        </p:txBody>
+      </p:sp>
+    </p:spTree>
+    <p:extLst>
+      <p:ext uri="{BB962C8B-B14F-4D97-AF65-F5344CB8AC3E}">
+        <p14:creationId xmlns:p14="http://schemas.microsoft.com/office/powerpoint/2010/main" val="813733771"/>
       </p:ext>
     </p:extLst>
   </p:cSld>
